--- a/Chapitre_01_Energetique/Cy_06_01_Application_03_AscBateau/images/Figures.pptx
+++ b/Chapitre_01_Energetique/Cy_06_01_Application_03_AscBateau/images/Figures.pptx
@@ -112,6 +112,22 @@
       </a:defRPr>
     </a:lvl9pPr>
   </p:defaultTextStyle>
+  <p:extLst>
+    <p:ext uri="{EFAFB233-063F-42B5-8137-9DF3F51BA10A}">
+      <p15:sldGuideLst xmlns:p15="http://schemas.microsoft.com/office/powerpoint/2012/main">
+        <p15:guide id="1" orient="horz" pos="2160">
+          <p15:clr>
+            <a:srgbClr val="A4A3A4"/>
+          </p15:clr>
+        </p15:guide>
+        <p15:guide id="2" pos="2925">
+          <p15:clr>
+            <a:srgbClr val="A4A3A4"/>
+          </p15:clr>
+        </p15:guide>
+      </p15:sldGuideLst>
+    </p:ext>
+  </p:extLst>
 </p:presentation>
 </file>
 
@@ -197,7 +213,7 @@
           <a:p>
             <a:fld id="{C50573B8-97CE-41AB-B56B-21583D30804E}" type="datetimeFigureOut">
               <a:rPr lang="fr-FR" smtClean="0"/>
-              <a:t>05/02/2018</a:t>
+              <a:t>17/02/2020</a:t>
             </a:fld>
             <a:endParaRPr lang="fr-FR"/>
           </a:p>
@@ -261,38 +277,37 @@
           <a:p>
             <a:pPr lvl="0"/>
             <a:r>
-              <a:rPr lang="fr-FR" smtClean="0"/>
+              <a:rPr lang="fr-FR"/>
               <a:t>Modifiez les styles du texte du masque</a:t>
             </a:r>
           </a:p>
           <a:p>
             <a:pPr lvl="1"/>
             <a:r>
-              <a:rPr lang="fr-FR" smtClean="0"/>
+              <a:rPr lang="fr-FR"/>
               <a:t>Deuxième niveau</a:t>
             </a:r>
           </a:p>
           <a:p>
             <a:pPr lvl="2"/>
             <a:r>
-              <a:rPr lang="fr-FR" smtClean="0"/>
+              <a:rPr lang="fr-FR"/>
               <a:t>Troisième niveau</a:t>
             </a:r>
           </a:p>
           <a:p>
             <a:pPr lvl="3"/>
             <a:r>
-              <a:rPr lang="fr-FR" smtClean="0"/>
+              <a:rPr lang="fr-FR"/>
               <a:t>Quatrième niveau</a:t>
             </a:r>
           </a:p>
           <a:p>
             <a:pPr lvl="4"/>
             <a:r>
-              <a:rPr lang="fr-FR" smtClean="0"/>
+              <a:rPr lang="fr-FR"/>
               <a:t>Cinquième niveau</a:t>
             </a:r>
-            <a:endParaRPr lang="fr-FR"/>
           </a:p>
         </p:txBody>
       </p:sp>
@@ -587,7 +602,7 @@
           <a:lstStyle/>
           <a:p>
             <a:r>
-              <a:rPr lang="fr-FR" smtClean="0"/>
+              <a:rPr lang="fr-FR"/>
               <a:t>Cliquez pour modifier le style du titre</a:t>
             </a:r>
             <a:endParaRPr lang="fr-BE"/>
@@ -706,7 +721,7 @@
           </a:lstStyle>
           <a:p>
             <a:r>
-              <a:rPr lang="fr-FR" smtClean="0"/>
+              <a:rPr lang="fr-FR"/>
               <a:t>Cliquez pour modifier le style des sous-titres du masque</a:t>
             </a:r>
             <a:endParaRPr lang="fr-BE"/>
@@ -730,7 +745,7 @@
           <a:p>
             <a:fld id="{AA309A6D-C09C-4548-B29A-6CF363A7E532}" type="datetimeFigureOut">
               <a:rPr lang="fr-FR" smtClean="0"/>
-              <a:t>05/02/2018</a:t>
+              <a:t>17/02/2020</a:t>
             </a:fld>
             <a:endParaRPr lang="fr-BE"/>
           </a:p>
@@ -819,7 +834,7 @@
           <a:lstStyle/>
           <a:p>
             <a:r>
-              <a:rPr lang="fr-FR" smtClean="0"/>
+              <a:rPr lang="fr-FR"/>
               <a:t>Cliquez pour modifier le style du titre</a:t>
             </a:r>
             <a:endParaRPr lang="fr-BE"/>
@@ -843,35 +858,35 @@
           <a:p>
             <a:pPr lvl="0"/>
             <a:r>
-              <a:rPr lang="fr-FR" smtClean="0"/>
+              <a:rPr lang="fr-FR"/>
               <a:t>Cliquez pour modifier les styles du texte du masque</a:t>
             </a:r>
           </a:p>
           <a:p>
             <a:pPr lvl="1"/>
             <a:r>
-              <a:rPr lang="fr-FR" smtClean="0"/>
+              <a:rPr lang="fr-FR"/>
               <a:t>Deuxième niveau</a:t>
             </a:r>
           </a:p>
           <a:p>
             <a:pPr lvl="2"/>
             <a:r>
-              <a:rPr lang="fr-FR" smtClean="0"/>
+              <a:rPr lang="fr-FR"/>
               <a:t>Troisième niveau</a:t>
             </a:r>
           </a:p>
           <a:p>
             <a:pPr lvl="3"/>
             <a:r>
-              <a:rPr lang="fr-FR" smtClean="0"/>
+              <a:rPr lang="fr-FR"/>
               <a:t>Quatrième niveau</a:t>
             </a:r>
           </a:p>
           <a:p>
             <a:pPr lvl="4"/>
             <a:r>
-              <a:rPr lang="fr-FR" smtClean="0"/>
+              <a:rPr lang="fr-FR"/>
               <a:t>Cinquième niveau</a:t>
             </a:r>
             <a:endParaRPr lang="fr-BE"/>
@@ -895,7 +910,7 @@
           <a:p>
             <a:fld id="{AA309A6D-C09C-4548-B29A-6CF363A7E532}" type="datetimeFigureOut">
               <a:rPr lang="fr-FR" smtClean="0"/>
-              <a:t>05/02/2018</a:t>
+              <a:t>17/02/2020</a:t>
             </a:fld>
             <a:endParaRPr lang="fr-BE"/>
           </a:p>
@@ -989,7 +1004,7 @@
           <a:lstStyle/>
           <a:p>
             <a:r>
-              <a:rPr lang="fr-FR" smtClean="0"/>
+              <a:rPr lang="fr-FR"/>
               <a:t>Cliquez pour modifier le style du titre</a:t>
             </a:r>
             <a:endParaRPr lang="fr-BE"/>
@@ -1018,35 +1033,35 @@
           <a:p>
             <a:pPr lvl="0"/>
             <a:r>
-              <a:rPr lang="fr-FR" smtClean="0"/>
+              <a:rPr lang="fr-FR"/>
               <a:t>Cliquez pour modifier les styles du texte du masque</a:t>
             </a:r>
           </a:p>
           <a:p>
             <a:pPr lvl="1"/>
             <a:r>
-              <a:rPr lang="fr-FR" smtClean="0"/>
+              <a:rPr lang="fr-FR"/>
               <a:t>Deuxième niveau</a:t>
             </a:r>
           </a:p>
           <a:p>
             <a:pPr lvl="2"/>
             <a:r>
-              <a:rPr lang="fr-FR" smtClean="0"/>
+              <a:rPr lang="fr-FR"/>
               <a:t>Troisième niveau</a:t>
             </a:r>
           </a:p>
           <a:p>
             <a:pPr lvl="3"/>
             <a:r>
-              <a:rPr lang="fr-FR" smtClean="0"/>
+              <a:rPr lang="fr-FR"/>
               <a:t>Quatrième niveau</a:t>
             </a:r>
           </a:p>
           <a:p>
             <a:pPr lvl="4"/>
             <a:r>
-              <a:rPr lang="fr-FR" smtClean="0"/>
+              <a:rPr lang="fr-FR"/>
               <a:t>Cinquième niveau</a:t>
             </a:r>
             <a:endParaRPr lang="fr-BE"/>
@@ -1070,7 +1085,7 @@
           <a:p>
             <a:fld id="{AA309A6D-C09C-4548-B29A-6CF363A7E532}" type="datetimeFigureOut">
               <a:rPr lang="fr-FR" smtClean="0"/>
-              <a:t>05/02/2018</a:t>
+              <a:t>17/02/2020</a:t>
             </a:fld>
             <a:endParaRPr lang="fr-BE"/>
           </a:p>
@@ -1159,7 +1174,7 @@
           <a:lstStyle/>
           <a:p>
             <a:r>
-              <a:rPr lang="fr-FR" smtClean="0"/>
+              <a:rPr lang="fr-FR"/>
               <a:t>Cliquez pour modifier le style du titre</a:t>
             </a:r>
             <a:endParaRPr lang="fr-BE"/>
@@ -1183,35 +1198,35 @@
           <a:p>
             <a:pPr lvl="0"/>
             <a:r>
-              <a:rPr lang="fr-FR" smtClean="0"/>
+              <a:rPr lang="fr-FR"/>
               <a:t>Cliquez pour modifier les styles du texte du masque</a:t>
             </a:r>
           </a:p>
           <a:p>
             <a:pPr lvl="1"/>
             <a:r>
-              <a:rPr lang="fr-FR" smtClean="0"/>
+              <a:rPr lang="fr-FR"/>
               <a:t>Deuxième niveau</a:t>
             </a:r>
           </a:p>
           <a:p>
             <a:pPr lvl="2"/>
             <a:r>
-              <a:rPr lang="fr-FR" smtClean="0"/>
+              <a:rPr lang="fr-FR"/>
               <a:t>Troisième niveau</a:t>
             </a:r>
           </a:p>
           <a:p>
             <a:pPr lvl="3"/>
             <a:r>
-              <a:rPr lang="fr-FR" smtClean="0"/>
+              <a:rPr lang="fr-FR"/>
               <a:t>Quatrième niveau</a:t>
             </a:r>
           </a:p>
           <a:p>
             <a:pPr lvl="4"/>
             <a:r>
-              <a:rPr lang="fr-FR" smtClean="0"/>
+              <a:rPr lang="fr-FR"/>
               <a:t>Cinquième niveau</a:t>
             </a:r>
             <a:endParaRPr lang="fr-BE"/>
@@ -1235,7 +1250,7 @@
           <a:p>
             <a:fld id="{AA309A6D-C09C-4548-B29A-6CF363A7E532}" type="datetimeFigureOut">
               <a:rPr lang="fr-FR" smtClean="0"/>
-              <a:t>05/02/2018</a:t>
+              <a:t>17/02/2020</a:t>
             </a:fld>
             <a:endParaRPr lang="fr-BE"/>
           </a:p>
@@ -1333,7 +1348,7 @@
           </a:lstStyle>
           <a:p>
             <a:r>
-              <a:rPr lang="fr-FR" smtClean="0"/>
+              <a:rPr lang="fr-FR"/>
               <a:t>Cliquez pour modifier le style du titre</a:t>
             </a:r>
             <a:endParaRPr lang="fr-BE"/>
@@ -1453,7 +1468,7 @@
           <a:p>
             <a:pPr lvl="0"/>
             <a:r>
-              <a:rPr lang="fr-FR" smtClean="0"/>
+              <a:rPr lang="fr-FR"/>
               <a:t>Cliquez pour modifier les styles du texte du masque</a:t>
             </a:r>
           </a:p>
@@ -1476,7 +1491,7 @@
           <a:p>
             <a:fld id="{AA309A6D-C09C-4548-B29A-6CF363A7E532}" type="datetimeFigureOut">
               <a:rPr lang="fr-FR" smtClean="0"/>
-              <a:t>05/02/2018</a:t>
+              <a:t>17/02/2020</a:t>
             </a:fld>
             <a:endParaRPr lang="fr-BE"/>
           </a:p>
@@ -1565,7 +1580,7 @@
           <a:lstStyle/>
           <a:p>
             <a:r>
-              <a:rPr lang="fr-FR" smtClean="0"/>
+              <a:rPr lang="fr-FR"/>
               <a:t>Cliquez pour modifier le style du titre</a:t>
             </a:r>
             <a:endParaRPr lang="fr-BE"/>
@@ -1622,35 +1637,35 @@
           <a:p>
             <a:pPr lvl="0"/>
             <a:r>
-              <a:rPr lang="fr-FR" smtClean="0"/>
+              <a:rPr lang="fr-FR"/>
               <a:t>Cliquez pour modifier les styles du texte du masque</a:t>
             </a:r>
           </a:p>
           <a:p>
             <a:pPr lvl="1"/>
             <a:r>
-              <a:rPr lang="fr-FR" smtClean="0"/>
+              <a:rPr lang="fr-FR"/>
               <a:t>Deuxième niveau</a:t>
             </a:r>
           </a:p>
           <a:p>
             <a:pPr lvl="2"/>
             <a:r>
-              <a:rPr lang="fr-FR" smtClean="0"/>
+              <a:rPr lang="fr-FR"/>
               <a:t>Troisième niveau</a:t>
             </a:r>
           </a:p>
           <a:p>
             <a:pPr lvl="3"/>
             <a:r>
-              <a:rPr lang="fr-FR" smtClean="0"/>
+              <a:rPr lang="fr-FR"/>
               <a:t>Quatrième niveau</a:t>
             </a:r>
           </a:p>
           <a:p>
             <a:pPr lvl="4"/>
             <a:r>
-              <a:rPr lang="fr-FR" smtClean="0"/>
+              <a:rPr lang="fr-FR"/>
               <a:t>Cinquième niveau</a:t>
             </a:r>
             <a:endParaRPr lang="fr-BE"/>
@@ -1707,35 +1722,35 @@
           <a:p>
             <a:pPr lvl="0"/>
             <a:r>
-              <a:rPr lang="fr-FR" smtClean="0"/>
+              <a:rPr lang="fr-FR"/>
               <a:t>Cliquez pour modifier les styles du texte du masque</a:t>
             </a:r>
           </a:p>
           <a:p>
             <a:pPr lvl="1"/>
             <a:r>
-              <a:rPr lang="fr-FR" smtClean="0"/>
+              <a:rPr lang="fr-FR"/>
               <a:t>Deuxième niveau</a:t>
             </a:r>
           </a:p>
           <a:p>
             <a:pPr lvl="2"/>
             <a:r>
-              <a:rPr lang="fr-FR" smtClean="0"/>
+              <a:rPr lang="fr-FR"/>
               <a:t>Troisième niveau</a:t>
             </a:r>
           </a:p>
           <a:p>
             <a:pPr lvl="3"/>
             <a:r>
-              <a:rPr lang="fr-FR" smtClean="0"/>
+              <a:rPr lang="fr-FR"/>
               <a:t>Quatrième niveau</a:t>
             </a:r>
           </a:p>
           <a:p>
             <a:pPr lvl="4"/>
             <a:r>
-              <a:rPr lang="fr-FR" smtClean="0"/>
+              <a:rPr lang="fr-FR"/>
               <a:t>Cinquième niveau</a:t>
             </a:r>
             <a:endParaRPr lang="fr-BE"/>
@@ -1759,7 +1774,7 @@
           <a:p>
             <a:fld id="{AA309A6D-C09C-4548-B29A-6CF363A7E532}" type="datetimeFigureOut">
               <a:rPr lang="fr-FR" smtClean="0"/>
-              <a:t>05/02/2018</a:t>
+              <a:t>17/02/2020</a:t>
             </a:fld>
             <a:endParaRPr lang="fr-BE"/>
           </a:p>
@@ -1852,7 +1867,7 @@
           </a:lstStyle>
           <a:p>
             <a:r>
-              <a:rPr lang="fr-FR" smtClean="0"/>
+              <a:rPr lang="fr-FR"/>
               <a:t>Cliquez pour modifier le style du titre</a:t>
             </a:r>
             <a:endParaRPr lang="fr-BE"/>
@@ -1918,7 +1933,7 @@
           <a:p>
             <a:pPr lvl="0"/>
             <a:r>
-              <a:rPr lang="fr-FR" smtClean="0"/>
+              <a:rPr lang="fr-FR"/>
               <a:t>Cliquez pour modifier les styles du texte du masque</a:t>
             </a:r>
           </a:p>
@@ -1974,35 +1989,35 @@
           <a:p>
             <a:pPr lvl="0"/>
             <a:r>
-              <a:rPr lang="fr-FR" smtClean="0"/>
+              <a:rPr lang="fr-FR"/>
               <a:t>Cliquez pour modifier les styles du texte du masque</a:t>
             </a:r>
           </a:p>
           <a:p>
             <a:pPr lvl="1"/>
             <a:r>
-              <a:rPr lang="fr-FR" smtClean="0"/>
+              <a:rPr lang="fr-FR"/>
               <a:t>Deuxième niveau</a:t>
             </a:r>
           </a:p>
           <a:p>
             <a:pPr lvl="2"/>
             <a:r>
-              <a:rPr lang="fr-FR" smtClean="0"/>
+              <a:rPr lang="fr-FR"/>
               <a:t>Troisième niveau</a:t>
             </a:r>
           </a:p>
           <a:p>
             <a:pPr lvl="3"/>
             <a:r>
-              <a:rPr lang="fr-FR" smtClean="0"/>
+              <a:rPr lang="fr-FR"/>
               <a:t>Quatrième niveau</a:t>
             </a:r>
           </a:p>
           <a:p>
             <a:pPr lvl="4"/>
             <a:r>
-              <a:rPr lang="fr-FR" smtClean="0"/>
+              <a:rPr lang="fr-FR"/>
               <a:t>Cinquième niveau</a:t>
             </a:r>
             <a:endParaRPr lang="fr-BE"/>
@@ -2068,7 +2083,7 @@
           <a:p>
             <a:pPr lvl="0"/>
             <a:r>
-              <a:rPr lang="fr-FR" smtClean="0"/>
+              <a:rPr lang="fr-FR"/>
               <a:t>Cliquez pour modifier les styles du texte du masque</a:t>
             </a:r>
           </a:p>
@@ -2124,35 +2139,35 @@
           <a:p>
             <a:pPr lvl="0"/>
             <a:r>
-              <a:rPr lang="fr-FR" smtClean="0"/>
+              <a:rPr lang="fr-FR"/>
               <a:t>Cliquez pour modifier les styles du texte du masque</a:t>
             </a:r>
           </a:p>
           <a:p>
             <a:pPr lvl="1"/>
             <a:r>
-              <a:rPr lang="fr-FR" smtClean="0"/>
+              <a:rPr lang="fr-FR"/>
               <a:t>Deuxième niveau</a:t>
             </a:r>
           </a:p>
           <a:p>
             <a:pPr lvl="2"/>
             <a:r>
-              <a:rPr lang="fr-FR" smtClean="0"/>
+              <a:rPr lang="fr-FR"/>
               <a:t>Troisième niveau</a:t>
             </a:r>
           </a:p>
           <a:p>
             <a:pPr lvl="3"/>
             <a:r>
-              <a:rPr lang="fr-FR" smtClean="0"/>
+              <a:rPr lang="fr-FR"/>
               <a:t>Quatrième niveau</a:t>
             </a:r>
           </a:p>
           <a:p>
             <a:pPr lvl="4"/>
             <a:r>
-              <a:rPr lang="fr-FR" smtClean="0"/>
+              <a:rPr lang="fr-FR"/>
               <a:t>Cinquième niveau</a:t>
             </a:r>
             <a:endParaRPr lang="fr-BE"/>
@@ -2176,7 +2191,7 @@
           <a:p>
             <a:fld id="{AA309A6D-C09C-4548-B29A-6CF363A7E532}" type="datetimeFigureOut">
               <a:rPr lang="fr-FR" smtClean="0"/>
-              <a:t>05/02/2018</a:t>
+              <a:t>17/02/2020</a:t>
             </a:fld>
             <a:endParaRPr lang="fr-BE"/>
           </a:p>
@@ -2265,7 +2280,7 @@
           <a:lstStyle/>
           <a:p>
             <a:r>
-              <a:rPr lang="fr-FR" smtClean="0"/>
+              <a:rPr lang="fr-FR"/>
               <a:t>Cliquez pour modifier le style du titre</a:t>
             </a:r>
             <a:endParaRPr lang="fr-BE"/>
@@ -2289,7 +2304,7 @@
           <a:p>
             <a:fld id="{AA309A6D-C09C-4548-B29A-6CF363A7E532}" type="datetimeFigureOut">
               <a:rPr lang="fr-FR" smtClean="0"/>
-              <a:t>05/02/2018</a:t>
+              <a:t>17/02/2020</a:t>
             </a:fld>
             <a:endParaRPr lang="fr-BE"/>
           </a:p>
@@ -2379,7 +2394,7 @@
           <a:p>
             <a:fld id="{AA309A6D-C09C-4548-B29A-6CF363A7E532}" type="datetimeFigureOut">
               <a:rPr lang="fr-FR" smtClean="0"/>
-              <a:t>05/02/2018</a:t>
+              <a:t>17/02/2020</a:t>
             </a:fld>
             <a:endParaRPr lang="fr-BE"/>
           </a:p>
@@ -2477,7 +2492,7 @@
           </a:lstStyle>
           <a:p>
             <a:r>
-              <a:rPr lang="fr-FR" smtClean="0"/>
+              <a:rPr lang="fr-FR"/>
               <a:t>Cliquez pour modifier le style du titre</a:t>
             </a:r>
             <a:endParaRPr lang="fr-BE"/>
@@ -2534,35 +2549,35 @@
           <a:p>
             <a:pPr lvl="0"/>
             <a:r>
-              <a:rPr lang="fr-FR" smtClean="0"/>
+              <a:rPr lang="fr-FR"/>
               <a:t>Cliquez pour modifier les styles du texte du masque</a:t>
             </a:r>
           </a:p>
           <a:p>
             <a:pPr lvl="1"/>
             <a:r>
-              <a:rPr lang="fr-FR" smtClean="0"/>
+              <a:rPr lang="fr-FR"/>
               <a:t>Deuxième niveau</a:t>
             </a:r>
           </a:p>
           <a:p>
             <a:pPr lvl="2"/>
             <a:r>
-              <a:rPr lang="fr-FR" smtClean="0"/>
+              <a:rPr lang="fr-FR"/>
               <a:t>Troisième niveau</a:t>
             </a:r>
           </a:p>
           <a:p>
             <a:pPr lvl="3"/>
             <a:r>
-              <a:rPr lang="fr-FR" smtClean="0"/>
+              <a:rPr lang="fr-FR"/>
               <a:t>Quatrième niveau</a:t>
             </a:r>
           </a:p>
           <a:p>
             <a:pPr lvl="4"/>
             <a:r>
-              <a:rPr lang="fr-FR" smtClean="0"/>
+              <a:rPr lang="fr-FR"/>
               <a:t>Cinquième niveau</a:t>
             </a:r>
             <a:endParaRPr lang="fr-BE"/>
@@ -2628,7 +2643,7 @@
           <a:p>
             <a:pPr lvl="0"/>
             <a:r>
-              <a:rPr lang="fr-FR" smtClean="0"/>
+              <a:rPr lang="fr-FR"/>
               <a:t>Cliquez pour modifier les styles du texte du masque</a:t>
             </a:r>
           </a:p>
@@ -2651,7 +2666,7 @@
           <a:p>
             <a:fld id="{AA309A6D-C09C-4548-B29A-6CF363A7E532}" type="datetimeFigureOut">
               <a:rPr lang="fr-FR" smtClean="0"/>
-              <a:t>05/02/2018</a:t>
+              <a:t>17/02/2020</a:t>
             </a:fld>
             <a:endParaRPr lang="fr-BE"/>
           </a:p>
@@ -2749,7 +2764,7 @@
           </a:lstStyle>
           <a:p>
             <a:r>
-              <a:rPr lang="fr-FR" smtClean="0"/>
+              <a:rPr lang="fr-FR"/>
               <a:t>Cliquez pour modifier le style du titre</a:t>
             </a:r>
             <a:endParaRPr lang="fr-BE"/>
@@ -2876,7 +2891,7 @@
           <a:p>
             <a:pPr lvl="0"/>
             <a:r>
-              <a:rPr lang="fr-FR" smtClean="0"/>
+              <a:rPr lang="fr-FR"/>
               <a:t>Cliquez pour modifier les styles du texte du masque</a:t>
             </a:r>
           </a:p>
@@ -2899,7 +2914,7 @@
           <a:p>
             <a:fld id="{AA309A6D-C09C-4548-B29A-6CF363A7E532}" type="datetimeFigureOut">
               <a:rPr lang="fr-FR" smtClean="0"/>
-              <a:t>05/02/2018</a:t>
+              <a:t>17/02/2020</a:t>
             </a:fld>
             <a:endParaRPr lang="fr-BE"/>
           </a:p>
@@ -3003,7 +3018,7 @@
           <a:lstStyle/>
           <a:p>
             <a:r>
-              <a:rPr lang="fr-FR" smtClean="0"/>
+              <a:rPr lang="fr-FR"/>
               <a:t>Cliquez pour modifier le style du titre</a:t>
             </a:r>
             <a:endParaRPr lang="fr-BE"/>
@@ -3037,35 +3052,35 @@
           <a:p>
             <a:pPr lvl="0"/>
             <a:r>
-              <a:rPr lang="fr-FR" smtClean="0"/>
+              <a:rPr lang="fr-FR"/>
               <a:t>Cliquez pour modifier les styles du texte du masque</a:t>
             </a:r>
           </a:p>
           <a:p>
             <a:pPr lvl="1"/>
             <a:r>
-              <a:rPr lang="fr-FR" smtClean="0"/>
+              <a:rPr lang="fr-FR"/>
               <a:t>Deuxième niveau</a:t>
             </a:r>
           </a:p>
           <a:p>
             <a:pPr lvl="2"/>
             <a:r>
-              <a:rPr lang="fr-FR" smtClean="0"/>
+              <a:rPr lang="fr-FR"/>
               <a:t>Troisième niveau</a:t>
             </a:r>
           </a:p>
           <a:p>
             <a:pPr lvl="3"/>
             <a:r>
-              <a:rPr lang="fr-FR" smtClean="0"/>
+              <a:rPr lang="fr-FR"/>
               <a:t>Quatrième niveau</a:t>
             </a:r>
           </a:p>
           <a:p>
             <a:pPr lvl="4"/>
             <a:r>
-              <a:rPr lang="fr-FR" smtClean="0"/>
+              <a:rPr lang="fr-FR"/>
               <a:t>Cinquième niveau</a:t>
             </a:r>
             <a:endParaRPr lang="fr-BE"/>
@@ -3107,7 +3122,7 @@
           <a:p>
             <a:fld id="{AA309A6D-C09C-4548-B29A-6CF363A7E532}" type="datetimeFigureOut">
               <a:rPr lang="fr-FR" smtClean="0"/>
-              <a:t>05/02/2018</a:t>
+              <a:t>17/02/2020</a:t>
             </a:fld>
             <a:endParaRPr lang="fr-BE"/>
           </a:p>
@@ -3501,10 +3516,9 @@
           <a:p>
             <a:pPr algn="ctr"/>
             <a:r>
-              <a:rPr lang="fr-FR" sz="1000" dirty="0" smtClean="0"/>
+              <a:rPr lang="fr-FR" sz="1000" dirty="0"/>
               <a:t>Rotule B</a:t>
             </a:r>
-            <a:endParaRPr lang="fr-FR" sz="1000" dirty="0"/>
           </a:p>
         </p:txBody>
       </p:sp>
@@ -3801,18 +3815,13 @@
           <a:p>
             <a:pPr algn="ctr"/>
             <a:r>
-              <a:rPr lang="fr-FR" b="1" dirty="0" smtClean="0">
+              <a:rPr lang="fr-FR" b="1" dirty="0">
                 <a:solidFill>
                   <a:schemeClr val="tx1"/>
                 </a:solidFill>
               </a:rPr>
               <a:t>1</a:t>
             </a:r>
-            <a:endParaRPr lang="fr-FR" b="1" dirty="0">
-              <a:solidFill>
-                <a:schemeClr val="tx1"/>
-              </a:solidFill>
-            </a:endParaRPr>
           </a:p>
         </p:txBody>
       </p:sp>
@@ -3897,18 +3906,13 @@
           <a:p>
             <a:pPr algn="ctr"/>
             <a:r>
-              <a:rPr lang="fr-FR" sz="1400" b="1" dirty="0" smtClean="0">
+              <a:rPr lang="fr-FR" sz="1400" b="1" dirty="0">
                 <a:solidFill>
                   <a:srgbClr val="0070C0"/>
                 </a:solidFill>
               </a:rPr>
               <a:t>T1</a:t>
             </a:r>
-            <a:endParaRPr lang="fr-FR" sz="1400" b="1" dirty="0">
-              <a:solidFill>
-                <a:srgbClr val="0070C0"/>
-              </a:solidFill>
-            </a:endParaRPr>
           </a:p>
         </p:txBody>
       </p:sp>
@@ -3955,18 +3959,13 @@
           <a:p>
             <a:pPr algn="ctr"/>
             <a:r>
-              <a:rPr lang="fr-FR" sz="1400" b="1" dirty="0" smtClean="0">
+              <a:rPr lang="fr-FR" sz="1400" b="1" dirty="0">
                 <a:solidFill>
                   <a:srgbClr val="0070C0"/>
                 </a:solidFill>
               </a:rPr>
               <a:t>T1’</a:t>
             </a:r>
-            <a:endParaRPr lang="fr-FR" sz="1400" b="1" dirty="0">
-              <a:solidFill>
-                <a:srgbClr val="0070C0"/>
-              </a:solidFill>
-            </a:endParaRPr>
           </a:p>
         </p:txBody>
       </p:sp>
@@ -4013,18 +4012,13 @@
           <a:p>
             <a:pPr algn="ctr"/>
             <a:r>
-              <a:rPr lang="fr-FR" sz="1400" b="1" dirty="0" smtClean="0">
+              <a:rPr lang="fr-FR" sz="1400" b="1" dirty="0">
                 <a:solidFill>
                   <a:schemeClr val="accent2"/>
                 </a:solidFill>
               </a:rPr>
               <a:t>T2</a:t>
             </a:r>
-            <a:endParaRPr lang="fr-FR" sz="1400" b="1" dirty="0">
-              <a:solidFill>
-                <a:schemeClr val="accent2"/>
-              </a:solidFill>
-            </a:endParaRPr>
           </a:p>
         </p:txBody>
       </p:sp>
@@ -4071,18 +4065,13 @@
           <a:p>
             <a:pPr algn="ctr"/>
             <a:r>
-              <a:rPr lang="fr-FR" sz="1400" b="1" dirty="0" smtClean="0">
+              <a:rPr lang="fr-FR" sz="1400" b="1" dirty="0">
                 <a:solidFill>
                   <a:schemeClr val="accent2"/>
                 </a:solidFill>
               </a:rPr>
               <a:t>T2’</a:t>
             </a:r>
-            <a:endParaRPr lang="fr-FR" sz="1400" b="1" dirty="0">
-              <a:solidFill>
-                <a:schemeClr val="accent2"/>
-              </a:solidFill>
-            </a:endParaRPr>
           </a:p>
         </p:txBody>
       </p:sp>
@@ -4413,18 +4402,13 @@
           <a:p>
             <a:pPr algn="ctr"/>
             <a:r>
-              <a:rPr lang="fr-FR" sz="1400" b="1" dirty="0" smtClean="0">
+              <a:rPr lang="fr-FR" sz="1400" b="1" dirty="0">
                 <a:solidFill>
                   <a:srgbClr val="00B050"/>
                 </a:solidFill>
               </a:rPr>
               <a:t>T3</a:t>
             </a:r>
-            <a:endParaRPr lang="fr-FR" sz="1400" b="1" dirty="0">
-              <a:solidFill>
-                <a:srgbClr val="00B050"/>
-              </a:solidFill>
-            </a:endParaRPr>
           </a:p>
         </p:txBody>
       </p:sp>
@@ -4536,7 +4520,7 @@
               <a:p>
                 <a:pPr algn="ctr"/>
                 <a:r>
-                  <a:rPr lang="fr-FR" sz="1000" dirty="0" smtClean="0"/>
+                  <a:rPr lang="fr-FR" sz="1000" dirty="0"/>
                   <a:t>Pivot </a:t>
                 </a:r>
                 <a14:m>
@@ -4546,7 +4530,7 @@
                         <m:chr m:val="⃗"/>
                         <m:ctrlPr>
                           <a:rPr lang="fr-FR" sz="1000" b="0" i="1" smtClean="0">
-                            <a:latin typeface="Cambria Math"/>
+                            <a:latin typeface="Cambria Math" panose="02040503050406030204" pitchFamily="18" charset="0"/>
                           </a:rPr>
                         </m:ctrlPr>
                       </m:accPr>
@@ -4555,7 +4539,7 @@
                           <m:sSubPr>
                             <m:ctrlPr>
                               <a:rPr lang="fr-FR" sz="1000" i="1">
-                                <a:latin typeface="Cambria Math"/>
+                                <a:latin typeface="Cambria Math" panose="02040503050406030204" pitchFamily="18" charset="0"/>
                               </a:rPr>
                             </m:ctrlPr>
                           </m:sSubPr>
@@ -4656,7 +4640,7 @@
               <a:p>
                 <a:pPr algn="ctr"/>
                 <a:r>
-                  <a:rPr lang="fr-FR" sz="1000" dirty="0" smtClean="0"/>
+                  <a:rPr lang="fr-FR" sz="1000" dirty="0"/>
                   <a:t>Pivot </a:t>
                 </a:r>
                 <a14:m>
@@ -4666,7 +4650,7 @@
                         <m:chr m:val="⃗"/>
                         <m:ctrlPr>
                           <a:rPr lang="fr-FR" sz="1000" b="0" i="1" smtClean="0">
-                            <a:latin typeface="Cambria Math"/>
+                            <a:latin typeface="Cambria Math" panose="02040503050406030204" pitchFamily="18" charset="0"/>
                           </a:rPr>
                         </m:ctrlPr>
                       </m:accPr>
@@ -4675,7 +4659,7 @@
                           <m:sSubPr>
                             <m:ctrlPr>
                               <a:rPr lang="fr-FR" sz="1000" i="1">
-                                <a:latin typeface="Cambria Math"/>
+                                <a:latin typeface="Cambria Math" panose="02040503050406030204" pitchFamily="18" charset="0"/>
                               </a:rPr>
                             </m:ctrlPr>
                           </m:sSubPr>
@@ -4774,10 +4758,9 @@
           <a:p>
             <a:pPr algn="ctr"/>
             <a:r>
-              <a:rPr lang="fr-FR" sz="1000" dirty="0" smtClean="0"/>
+              <a:rPr lang="fr-FR" sz="1000" dirty="0"/>
               <a:t>Rotule</a:t>
             </a:r>
-            <a:endParaRPr lang="fr-FR" sz="1000" dirty="0"/>
           </a:p>
         </p:txBody>
       </p:sp>
@@ -4805,10 +4788,9 @@
           <a:p>
             <a:pPr algn="ctr"/>
             <a:r>
-              <a:rPr lang="fr-FR" sz="1000" dirty="0" smtClean="0"/>
+              <a:rPr lang="fr-FR" sz="1000" dirty="0"/>
               <a:t>Rotule</a:t>
             </a:r>
-            <a:endParaRPr lang="fr-FR" sz="1000" dirty="0"/>
           </a:p>
         </p:txBody>
       </p:sp>
@@ -4836,10 +4818,9 @@
           <a:p>
             <a:pPr algn="ctr"/>
             <a:r>
-              <a:rPr lang="fr-FR" sz="1000" dirty="0" smtClean="0"/>
+              <a:rPr lang="fr-FR" sz="1000" dirty="0"/>
               <a:t>Pivot glissant</a:t>
             </a:r>
-            <a:endParaRPr lang="fr-FR" sz="1000" dirty="0"/>
           </a:p>
         </p:txBody>
       </p:sp>
@@ -4867,10 +4848,9 @@
           <a:p>
             <a:pPr algn="ctr"/>
             <a:r>
-              <a:rPr lang="fr-FR" sz="1000" dirty="0" smtClean="0"/>
+              <a:rPr lang="fr-FR" sz="1000" dirty="0"/>
               <a:t>Pivot glissant</a:t>
             </a:r>
-            <a:endParaRPr lang="fr-FR" sz="1000" dirty="0"/>
           </a:p>
         </p:txBody>
       </p:sp>
@@ -4898,10 +4878,9 @@
           <a:p>
             <a:pPr algn="ctr"/>
             <a:r>
-              <a:rPr lang="fr-FR" sz="1000" dirty="0" smtClean="0"/>
+              <a:rPr lang="fr-FR" sz="1000" dirty="0"/>
               <a:t>Rotule</a:t>
             </a:r>
-            <a:endParaRPr lang="fr-FR" sz="1000" dirty="0"/>
           </a:p>
         </p:txBody>
       </p:sp>
@@ -4929,10 +4908,9 @@
           <a:p>
             <a:pPr algn="ctr"/>
             <a:r>
-              <a:rPr lang="fr-FR" sz="1000" dirty="0" smtClean="0"/>
+              <a:rPr lang="fr-FR" sz="1000" dirty="0"/>
               <a:t>Rotule</a:t>
             </a:r>
-            <a:endParaRPr lang="fr-FR" sz="1000" dirty="0"/>
           </a:p>
         </p:txBody>
       </p:sp>
@@ -4981,18 +4959,13 @@
           <a:p>
             <a:pPr algn="ctr"/>
             <a:r>
-              <a:rPr lang="fr-FR" sz="1400" b="1" dirty="0" smtClean="0">
+              <a:rPr lang="fr-FR" sz="1400" b="1" dirty="0">
                 <a:solidFill>
                   <a:srgbClr val="7030A0"/>
                 </a:solidFill>
               </a:rPr>
               <a:t>T4</a:t>
             </a:r>
-            <a:endParaRPr lang="fr-FR" sz="1400" b="1" dirty="0">
-              <a:solidFill>
-                <a:srgbClr val="7030A0"/>
-              </a:solidFill>
-            </a:endParaRPr>
           </a:p>
         </p:txBody>
       </p:sp>
@@ -5063,7 +5036,7 @@
               <a:p>
                 <a:pPr algn="ctr"/>
                 <a:r>
-                  <a:rPr lang="fr-FR" sz="1000" dirty="0" smtClean="0"/>
+                  <a:rPr lang="fr-FR" sz="1000" dirty="0"/>
                   <a:t>Glissière  </a:t>
                 </a:r>
                 <a14:m>
@@ -5073,7 +5046,7 @@
                         <m:chr m:val="⃗"/>
                         <m:ctrlPr>
                           <a:rPr lang="fr-FR" sz="1000" b="0" i="1" smtClean="0">
-                            <a:latin typeface="Cambria Math"/>
+                            <a:latin typeface="Cambria Math" panose="02040503050406030204" pitchFamily="18" charset="0"/>
                           </a:rPr>
                         </m:ctrlPr>
                       </m:accPr>
@@ -5082,7 +5055,7 @@
                           <m:sSubPr>
                             <m:ctrlPr>
                               <a:rPr lang="fr-FR" sz="1000" i="1">
-                                <a:latin typeface="Cambria Math"/>
+                                <a:latin typeface="Cambria Math" panose="02040503050406030204" pitchFamily="18" charset="0"/>
                               </a:rPr>
                             </m:ctrlPr>
                           </m:sSubPr>
@@ -5202,18 +5175,13 @@
           <a:p>
             <a:pPr algn="ctr"/>
             <a:r>
-              <a:rPr lang="fr-FR" sz="1400" b="1" dirty="0" smtClean="0">
+              <a:rPr lang="fr-FR" sz="1400" b="1" dirty="0">
                 <a:solidFill>
                   <a:srgbClr val="FF5BE0"/>
                 </a:solidFill>
               </a:rPr>
               <a:t>T5</a:t>
             </a:r>
-            <a:endParaRPr lang="fr-FR" sz="1400" b="1" dirty="0">
-              <a:solidFill>
-                <a:srgbClr val="FF5BE0"/>
-              </a:solidFill>
-            </a:endParaRPr>
           </a:p>
         </p:txBody>
       </p:sp>
@@ -5302,7 +5270,7 @@
           <a:p>
             <a:pPr algn="ctr"/>
             <a:r>
-              <a:rPr lang="fr-FR" sz="1400" b="1" dirty="0" smtClean="0">
+              <a:rPr lang="fr-FR" sz="1400" b="1" dirty="0">
                 <a:solidFill>
                   <a:schemeClr val="bg1">
                     <a:lumMod val="50000"/>
@@ -5311,13 +5279,6 @@
               </a:rPr>
               <a:t>T6</a:t>
             </a:r>
-            <a:endParaRPr lang="fr-FR" sz="1400" b="1" dirty="0">
-              <a:solidFill>
-                <a:schemeClr val="bg1">
-                  <a:lumMod val="50000"/>
-                </a:schemeClr>
-              </a:solidFill>
-            </a:endParaRPr>
           </a:p>
         </p:txBody>
       </p:sp>
@@ -5388,7 +5349,7 @@
               <a:p>
                 <a:pPr algn="ctr"/>
                 <a:r>
-                  <a:rPr lang="fr-FR" sz="1000" dirty="0" smtClean="0"/>
+                  <a:rPr lang="fr-FR" sz="1000" dirty="0"/>
                   <a:t>Glissière  </a:t>
                 </a:r>
                 <a14:m>
@@ -5398,7 +5359,7 @@
                         <m:chr m:val="⃗"/>
                         <m:ctrlPr>
                           <a:rPr lang="fr-FR" sz="1000" b="0" i="1" smtClean="0">
-                            <a:latin typeface="Cambria Math"/>
+                            <a:latin typeface="Cambria Math" panose="02040503050406030204" pitchFamily="18" charset="0"/>
                           </a:rPr>
                         </m:ctrlPr>
                       </m:accPr>
@@ -5407,7 +5368,7 @@
                           <m:sSubPr>
                             <m:ctrlPr>
                               <a:rPr lang="fr-FR" sz="1000" i="1">
-                                <a:latin typeface="Cambria Math"/>
+                                <a:latin typeface="Cambria Math" panose="02040503050406030204" pitchFamily="18" charset="0"/>
                               </a:rPr>
                             </m:ctrlPr>
                           </m:sSubPr>
@@ -5527,18 +5488,13 @@
           <a:p>
             <a:pPr algn="ctr"/>
             <a:r>
-              <a:rPr lang="fr-FR" sz="1400" b="1" dirty="0" smtClean="0">
+              <a:rPr lang="fr-FR" sz="1400" b="1" dirty="0">
                 <a:solidFill>
                   <a:schemeClr val="accent2"/>
                 </a:solidFill>
               </a:rPr>
               <a:t>T7</a:t>
             </a:r>
-            <a:endParaRPr lang="fr-FR" sz="1400" b="1" dirty="0">
-              <a:solidFill>
-                <a:schemeClr val="accent2"/>
-              </a:solidFill>
-            </a:endParaRPr>
           </a:p>
         </p:txBody>
       </p:sp>
@@ -5609,7 +5565,7 @@
               <a:p>
                 <a:pPr algn="ctr"/>
                 <a:r>
-                  <a:rPr lang="fr-FR" sz="1000" b="0" dirty="0" smtClean="0"/>
+                  <a:rPr lang="fr-FR" sz="1000" b="0" dirty="0"/>
                   <a:t>Pivot </a:t>
                 </a:r>
                 <a14:m>
@@ -5619,7 +5575,7 @@
                         <m:chr m:val="⃗"/>
                         <m:ctrlPr>
                           <a:rPr lang="fr-FR" sz="1000" b="0" i="1" smtClean="0">
-                            <a:latin typeface="Cambria Math"/>
+                            <a:latin typeface="Cambria Math" panose="02040503050406030204" pitchFamily="18" charset="0"/>
                           </a:rPr>
                         </m:ctrlPr>
                       </m:accPr>
@@ -5628,7 +5584,7 @@
                           <m:sSubPr>
                             <m:ctrlPr>
                               <a:rPr lang="fr-FR" sz="1000" i="1">
-                                <a:latin typeface="Cambria Math"/>
+                                <a:latin typeface="Cambria Math" panose="02040503050406030204" pitchFamily="18" charset="0"/>
                               </a:rPr>
                             </m:ctrlPr>
                           </m:sSubPr>
@@ -5748,18 +5704,13 @@
           <a:p>
             <a:pPr algn="ctr"/>
             <a:r>
-              <a:rPr lang="fr-FR" sz="1400" b="1" dirty="0" smtClean="0">
+              <a:rPr lang="fr-FR" sz="1400" b="1" dirty="0">
                 <a:solidFill>
                   <a:srgbClr val="0070C0"/>
                 </a:solidFill>
               </a:rPr>
               <a:t>T8</a:t>
             </a:r>
-            <a:endParaRPr lang="fr-FR" sz="1400" b="1" dirty="0">
-              <a:solidFill>
-                <a:srgbClr val="0070C0"/>
-              </a:solidFill>
-            </a:endParaRPr>
           </a:p>
         </p:txBody>
       </p:sp>
@@ -5830,7 +5781,7 @@
               <a:p>
                 <a:pPr algn="ctr"/>
                 <a:r>
-                  <a:rPr lang="fr-FR" sz="1000" b="0" dirty="0" smtClean="0"/>
+                  <a:rPr lang="fr-FR" sz="1000" b="0" dirty="0"/>
                   <a:t>Pivot </a:t>
                 </a:r>
                 <a14:m>
@@ -5840,7 +5791,7 @@
                         <m:chr m:val="⃗"/>
                         <m:ctrlPr>
                           <a:rPr lang="fr-FR" sz="1000" b="0" i="1" smtClean="0">
-                            <a:latin typeface="Cambria Math"/>
+                            <a:latin typeface="Cambria Math" panose="02040503050406030204" pitchFamily="18" charset="0"/>
                           </a:rPr>
                         </m:ctrlPr>
                       </m:accPr>
@@ -5849,7 +5800,7 @@
                           <m:sSubPr>
                             <m:ctrlPr>
                               <a:rPr lang="fr-FR" sz="1000" i="1">
-                                <a:latin typeface="Cambria Math"/>
+                                <a:latin typeface="Cambria Math" panose="02040503050406030204" pitchFamily="18" charset="0"/>
                               </a:rPr>
                             </m:ctrlPr>
                           </m:sSubPr>
@@ -5950,7 +5901,7 @@
               <a:p>
                 <a:pPr algn="ctr"/>
                 <a:r>
-                  <a:rPr lang="fr-FR" sz="1000" dirty="0" smtClean="0"/>
+                  <a:rPr lang="fr-FR" sz="1000" dirty="0"/>
                   <a:t>Glissière  </a:t>
                 </a:r>
                 <a14:m>
@@ -5960,7 +5911,7 @@
                         <m:chr m:val="⃗"/>
                         <m:ctrlPr>
                           <a:rPr lang="fr-FR" sz="1000" b="0" i="1" smtClean="0">
-                            <a:latin typeface="Cambria Math"/>
+                            <a:latin typeface="Cambria Math" panose="02040503050406030204" pitchFamily="18" charset="0"/>
                           </a:rPr>
                         </m:ctrlPr>
                       </m:accPr>
@@ -5969,7 +5920,7 @@
                           <m:sSubPr>
                             <m:ctrlPr>
                               <a:rPr lang="fr-FR" sz="1000" i="1">
-                                <a:latin typeface="Cambria Math"/>
+                                <a:latin typeface="Cambria Math" panose="02040503050406030204" pitchFamily="18" charset="0"/>
                               </a:rPr>
                             </m:ctrlPr>
                           </m:sSubPr>
@@ -6089,18 +6040,13 @@
           <a:p>
             <a:pPr algn="ctr"/>
             <a:r>
-              <a:rPr lang="fr-FR" sz="1400" b="1" dirty="0" smtClean="0">
+              <a:rPr lang="fr-FR" sz="1400" b="1" dirty="0">
                 <a:solidFill>
                   <a:srgbClr val="FFC000"/>
                 </a:solidFill>
               </a:rPr>
               <a:t>T9</a:t>
             </a:r>
-            <a:endParaRPr lang="fr-FR" sz="1400" b="1" dirty="0">
-              <a:solidFill>
-                <a:srgbClr val="FFC000"/>
-              </a:solidFill>
-            </a:endParaRPr>
           </a:p>
         </p:txBody>
       </p:sp>
@@ -6210,10 +6156,9 @@
           <a:p>
             <a:pPr algn="ctr"/>
             <a:r>
-              <a:rPr lang="fr-FR" sz="1000" dirty="0" smtClean="0"/>
+              <a:rPr lang="fr-FR" sz="1000" dirty="0"/>
               <a:t>Rotule E</a:t>
             </a:r>
-            <a:endParaRPr lang="fr-FR" sz="1000" dirty="0"/>
           </a:p>
         </p:txBody>
       </p:sp>
@@ -6241,10 +6186,9 @@
           <a:p>
             <a:pPr algn="ctr"/>
             <a:r>
-              <a:rPr lang="fr-FR" sz="1000" dirty="0" smtClean="0"/>
+              <a:rPr lang="fr-FR" sz="1000" dirty="0"/>
               <a:t>Rotule D</a:t>
             </a:r>
-            <a:endParaRPr lang="fr-FR" sz="1000" dirty="0"/>
           </a:p>
         </p:txBody>
       </p:sp>
@@ -6293,18 +6237,13 @@
           <a:p>
             <a:pPr algn="ctr"/>
             <a:r>
-              <a:rPr lang="fr-FR" sz="1200" b="1" dirty="0" smtClean="0">
+              <a:rPr lang="fr-FR" sz="1200" b="1" dirty="0">
                 <a:solidFill>
                   <a:schemeClr val="tx1"/>
                 </a:solidFill>
               </a:rPr>
               <a:t>T11</a:t>
             </a:r>
-            <a:endParaRPr lang="fr-FR" sz="1200" b="1" dirty="0">
-              <a:solidFill>
-                <a:schemeClr val="tx1"/>
-              </a:solidFill>
-            </a:endParaRPr>
           </a:p>
         </p:txBody>
       </p:sp>
@@ -6394,18 +6333,13 @@
           <a:p>
             <a:pPr algn="ctr"/>
             <a:r>
-              <a:rPr lang="fr-FR" sz="1200" b="1" dirty="0" smtClean="0">
+              <a:rPr lang="fr-FR" sz="1200" b="1" dirty="0">
                 <a:solidFill>
                   <a:srgbClr val="FF0000"/>
                 </a:solidFill>
               </a:rPr>
               <a:t>T10</a:t>
             </a:r>
-            <a:endParaRPr lang="fr-FR" sz="1200" b="1" dirty="0">
-              <a:solidFill>
-                <a:srgbClr val="FF0000"/>
-              </a:solidFill>
-            </a:endParaRPr>
           </a:p>
         </p:txBody>
       </p:sp>
@@ -6476,7 +6410,7 @@
               <a:p>
                 <a:pPr algn="ctr"/>
                 <a:r>
-                  <a:rPr lang="fr-FR" sz="1000" b="0" dirty="0" smtClean="0"/>
+                  <a:rPr lang="fr-FR" sz="1000" b="0" dirty="0"/>
                   <a:t>Pivot glissant </a:t>
                 </a:r>
                 <a14:m>
@@ -6486,7 +6420,7 @@
                         <m:chr m:val="⃗"/>
                         <m:ctrlPr>
                           <a:rPr lang="fr-FR" sz="1000" b="0" i="1" smtClean="0">
-                            <a:latin typeface="Cambria Math"/>
+                            <a:latin typeface="Cambria Math" panose="02040503050406030204" pitchFamily="18" charset="0"/>
                           </a:rPr>
                         </m:ctrlPr>
                       </m:accPr>
@@ -6495,7 +6429,7 @@
                           <m:sSubPr>
                             <m:ctrlPr>
                               <a:rPr lang="fr-FR" sz="1000" b="0" i="1" smtClean="0">
-                                <a:latin typeface="Cambria Math"/>
+                                <a:latin typeface="Cambria Math" panose="02040503050406030204" pitchFamily="18" charset="0"/>
                               </a:rPr>
                             </m:ctrlPr>
                           </m:sSubPr>
@@ -6635,10 +6569,9 @@
           <a:p>
             <a:pPr algn="ctr"/>
             <a:r>
-              <a:rPr lang="fr-FR" sz="1000" dirty="0" smtClean="0"/>
+              <a:rPr lang="fr-FR" sz="1000" dirty="0"/>
               <a:t>Rotule A</a:t>
             </a:r>
-            <a:endParaRPr lang="fr-FR" sz="1000" dirty="0"/>
           </a:p>
         </p:txBody>
       </p:sp>
@@ -7146,10 +7079,9 @@
           <a:p>
             <a:pPr algn="ctr"/>
             <a:r>
-              <a:rPr lang="fr-FR" sz="1000" dirty="0" smtClean="0"/>
+              <a:rPr lang="fr-FR" sz="1000" dirty="0"/>
               <a:t>Pesanteur</a:t>
             </a:r>
-            <a:endParaRPr lang="fr-FR" sz="1000" dirty="0"/>
           </a:p>
         </p:txBody>
       </p:sp>
@@ -7297,10 +7229,9 @@
           <a:p>
             <a:pPr algn="ctr"/>
             <a:r>
-              <a:rPr lang="fr-FR" sz="1000" dirty="0" smtClean="0"/>
+              <a:rPr lang="fr-FR" sz="1000" dirty="0"/>
               <a:t>Pesanteur</a:t>
             </a:r>
-            <a:endParaRPr lang="fr-FR" sz="1000" dirty="0"/>
           </a:p>
         </p:txBody>
       </p:sp>
@@ -7314,13 +7245,6 @@
   <p:clrMapOvr>
     <a:masterClrMapping/>
   </p:clrMapOvr>
-  <p:timing>
-    <p:tnLst>
-      <p:par>
-        <p:cTn id="1" dur="indefinite" restart="never" nodeType="tmRoot"/>
-      </p:par>
-    </p:tnLst>
-  </p:timing>
 </p:sld>
 </file>
 
@@ -7365,10 +7289,9 @@
           <a:p>
             <a:pPr algn="ctr"/>
             <a:r>
-              <a:rPr lang="fr-FR" sz="1000" dirty="0" smtClean="0"/>
+              <a:rPr lang="fr-FR" sz="1000" dirty="0"/>
               <a:t>Rotule B</a:t>
             </a:r>
-            <a:endParaRPr lang="fr-FR" sz="1000" dirty="0"/>
           </a:p>
         </p:txBody>
       </p:sp>
@@ -7511,7 +7434,7 @@
         </p:blipFill>
         <p:spPr bwMode="auto">
           <a:xfrm>
-            <a:off x="-4385556" y="-309737"/>
+            <a:off x="-5288335" y="1271559"/>
             <a:ext cx="4493060" cy="5466929"/>
           </a:xfrm>
           <a:prstGeom prst="rect">
@@ -7663,18 +7586,13 @@
           <a:p>
             <a:pPr algn="ctr"/>
             <a:r>
-              <a:rPr lang="fr-FR" b="1" dirty="0" smtClean="0">
+              <a:rPr lang="fr-FR" b="1" dirty="0">
                 <a:solidFill>
                   <a:schemeClr val="tx1"/>
                 </a:solidFill>
               </a:rPr>
               <a:t>1</a:t>
             </a:r>
-            <a:endParaRPr lang="fr-FR" b="1" dirty="0">
-              <a:solidFill>
-                <a:schemeClr val="tx1"/>
-              </a:solidFill>
-            </a:endParaRPr>
           </a:p>
         </p:txBody>
       </p:sp>
@@ -7759,18 +7677,13 @@
           <a:p>
             <a:pPr algn="ctr"/>
             <a:r>
-              <a:rPr lang="fr-FR" sz="1400" b="1" dirty="0" smtClean="0">
+              <a:rPr lang="fr-FR" sz="1400" b="1" dirty="0">
                 <a:solidFill>
                   <a:srgbClr val="0070C0"/>
                 </a:solidFill>
               </a:rPr>
               <a:t>T1</a:t>
             </a:r>
-            <a:endParaRPr lang="fr-FR" sz="1400" b="1" dirty="0">
-              <a:solidFill>
-                <a:srgbClr val="0070C0"/>
-              </a:solidFill>
-            </a:endParaRPr>
           </a:p>
         </p:txBody>
       </p:sp>
@@ -7817,18 +7730,13 @@
           <a:p>
             <a:pPr algn="ctr"/>
             <a:r>
-              <a:rPr lang="fr-FR" sz="1400" b="1" dirty="0" smtClean="0">
+              <a:rPr lang="fr-FR" sz="1400" b="1" dirty="0">
                 <a:solidFill>
                   <a:srgbClr val="0070C0"/>
                 </a:solidFill>
               </a:rPr>
               <a:t>T1’</a:t>
             </a:r>
-            <a:endParaRPr lang="fr-FR" sz="1400" b="1" dirty="0">
-              <a:solidFill>
-                <a:srgbClr val="0070C0"/>
-              </a:solidFill>
-            </a:endParaRPr>
           </a:p>
         </p:txBody>
       </p:sp>
@@ -7875,18 +7783,13 @@
           <a:p>
             <a:pPr algn="ctr"/>
             <a:r>
-              <a:rPr lang="fr-FR" sz="1400" b="1" dirty="0" smtClean="0">
+              <a:rPr lang="fr-FR" sz="1400" b="1" dirty="0">
                 <a:solidFill>
                   <a:schemeClr val="accent2"/>
                 </a:solidFill>
               </a:rPr>
               <a:t>T2</a:t>
             </a:r>
-            <a:endParaRPr lang="fr-FR" sz="1400" b="1" dirty="0">
-              <a:solidFill>
-                <a:schemeClr val="accent2"/>
-              </a:solidFill>
-            </a:endParaRPr>
           </a:p>
         </p:txBody>
       </p:sp>
@@ -7933,18 +7836,13 @@
           <a:p>
             <a:pPr algn="ctr"/>
             <a:r>
-              <a:rPr lang="fr-FR" sz="1400" b="1" dirty="0" smtClean="0">
+              <a:rPr lang="fr-FR" sz="1400" b="1" dirty="0">
                 <a:solidFill>
                   <a:schemeClr val="accent2"/>
                 </a:solidFill>
               </a:rPr>
               <a:t>T2’</a:t>
             </a:r>
-            <a:endParaRPr lang="fr-FR" sz="1400" b="1" dirty="0">
-              <a:solidFill>
-                <a:schemeClr val="accent2"/>
-              </a:solidFill>
-            </a:endParaRPr>
           </a:p>
         </p:txBody>
       </p:sp>
@@ -8275,18 +8173,13 @@
           <a:p>
             <a:pPr algn="ctr"/>
             <a:r>
-              <a:rPr lang="fr-FR" sz="1400" b="1" dirty="0" smtClean="0">
+              <a:rPr lang="fr-FR" sz="1400" b="1" dirty="0">
                 <a:solidFill>
                   <a:srgbClr val="00B050"/>
                 </a:solidFill>
               </a:rPr>
               <a:t>T3</a:t>
             </a:r>
-            <a:endParaRPr lang="fr-FR" sz="1400" b="1" dirty="0">
-              <a:solidFill>
-                <a:srgbClr val="00B050"/>
-              </a:solidFill>
-            </a:endParaRPr>
           </a:p>
         </p:txBody>
       </p:sp>
@@ -8372,8 +8265,8 @@
           </a:fontRef>
         </p:style>
       </p:cxnSp>
-      <mc:AlternateContent xmlns:mc="http://schemas.openxmlformats.org/markup-compatibility/2006" xmlns:a14="http://schemas.microsoft.com/office/drawing/2010/main">
-        <mc:Choice Requires="a14">
+      <mc:AlternateContent xmlns:mc="http://schemas.openxmlformats.org/markup-compatibility/2006">
+        <mc:Choice xmlns:a14="http://schemas.microsoft.com/office/drawing/2010/main" Requires="a14">
           <p:sp>
             <p:nvSpPr>
               <p:cNvPr id="58" name="ZoneTexte 57"/>
@@ -8398,54 +8291,71 @@
               <a:p>
                 <a:pPr algn="ctr"/>
                 <a:r>
-                  <a:rPr lang="fr-FR" sz="1000" dirty="0" smtClean="0"/>
+                  <a:rPr lang="fr-FR" sz="1000" dirty="0"/>
                   <a:t>Pivot </a:t>
                 </a:r>
                 <a14:m>
                   <m:oMath xmlns:m="http://schemas.openxmlformats.org/officeDocument/2006/math">
-                    <m:acc>
-                      <m:accPr>
-                        <m:chr m:val="⃗"/>
+                    <m:d>
+                      <m:dPr>
                         <m:ctrlPr>
                           <a:rPr lang="fr-FR" sz="1000" b="0" i="1" smtClean="0">
-                            <a:latin typeface="Cambria Math"/>
+                            <a:latin typeface="Cambria Math" panose="02040503050406030204" pitchFamily="18" charset="0"/>
                           </a:rPr>
                         </m:ctrlPr>
-                      </m:accPr>
+                      </m:dPr>
                       <m:e>
-                        <m:sSub>
-                          <m:sSubPr>
+                        <m:r>
+                          <a:rPr lang="fr-FR" sz="1000" b="0" i="1" smtClean="0">
+                            <a:latin typeface="Cambria Math" panose="02040503050406030204" pitchFamily="18" charset="0"/>
+                          </a:rPr>
+                          <m:t>?;</m:t>
+                        </m:r>
+                        <m:acc>
+                          <m:accPr>
+                            <m:chr m:val="⃗"/>
                             <m:ctrlPr>
                               <a:rPr lang="fr-FR" sz="1000" i="1">
-                                <a:latin typeface="Cambria Math"/>
+                                <a:latin typeface="Cambria Math" panose="02040503050406030204" pitchFamily="18" charset="0"/>
                               </a:rPr>
                             </m:ctrlPr>
-                          </m:sSubPr>
+                          </m:accPr>
                           <m:e>
-                            <m:r>
-                              <a:rPr lang="fr-FR" sz="1000" i="1">
-                                <a:latin typeface="Cambria Math"/>
-                              </a:rPr>
-                              <m:t>𝑦</m:t>
-                            </m:r>
+                            <m:sSub>
+                              <m:sSubPr>
+                                <m:ctrlPr>
+                                  <a:rPr lang="fr-FR" sz="1000" i="1">
+                                    <a:latin typeface="Cambria Math" panose="02040503050406030204" pitchFamily="18" charset="0"/>
+                                  </a:rPr>
+                                </m:ctrlPr>
+                              </m:sSubPr>
+                              <m:e>
+                                <m:r>
+                                  <a:rPr lang="fr-FR" sz="1000" i="1">
+                                    <a:latin typeface="Cambria Math"/>
+                                  </a:rPr>
+                                  <m:t>𝑦</m:t>
+                                </m:r>
+                              </m:e>
+                              <m:sub>
+                                <m:r>
+                                  <a:rPr lang="fr-FR" sz="1000" i="1">
+                                    <a:latin typeface="Cambria Math"/>
+                                  </a:rPr>
+                                  <m:t>𝑇</m:t>
+                                </m:r>
+                                <m:r>
+                                  <a:rPr lang="fr-FR" sz="1000" i="1">
+                                    <a:latin typeface="Cambria Math"/>
+                                  </a:rPr>
+                                  <m:t>7</m:t>
+                                </m:r>
+                              </m:sub>
+                            </m:sSub>
                           </m:e>
-                          <m:sub>
-                            <m:r>
-                              <a:rPr lang="fr-FR" sz="1000" i="1">
-                                <a:latin typeface="Cambria Math"/>
-                              </a:rPr>
-                              <m:t>𝑇</m:t>
-                            </m:r>
-                            <m:r>
-                              <a:rPr lang="fr-FR" sz="1000" i="1">
-                                <a:latin typeface="Cambria Math"/>
-                              </a:rPr>
-                              <m:t>7</m:t>
-                            </m:r>
-                          </m:sub>
-                        </m:sSub>
+                        </m:acc>
                       </m:e>
-                    </m:acc>
+                    </m:d>
                   </m:oMath>
                 </a14:m>
                 <a:endParaRPr lang="fr-FR" sz="1000" dirty="0"/>
@@ -8453,7 +8363,7 @@
             </p:txBody>
           </p:sp>
         </mc:Choice>
-        <mc:Fallback xmlns="">
+        <mc:Fallback>
           <p:sp>
             <p:nvSpPr>
               <p:cNvPr id="58" name="ZoneTexte 57"/>
@@ -8470,7 +8380,7 @@
               <a:prstGeom prst="rect">
                 <a:avLst/>
               </a:prstGeom>
-              <a:blipFill rotWithShape="1">
+              <a:blipFill>
                 <a:blip r:embed="rId3"/>
                 <a:stretch>
                   <a:fillRect r="-15000"/>
@@ -8492,8 +8402,8 @@
           </p:sp>
         </mc:Fallback>
       </mc:AlternateContent>
-      <mc:AlternateContent xmlns:mc="http://schemas.openxmlformats.org/markup-compatibility/2006" xmlns:a14="http://schemas.microsoft.com/office/drawing/2010/main">
-        <mc:Choice Requires="a14">
+      <mc:AlternateContent xmlns:mc="http://schemas.openxmlformats.org/markup-compatibility/2006">
+        <mc:Choice xmlns:a14="http://schemas.microsoft.com/office/drawing/2010/main" Requires="a14">
           <p:sp>
             <p:nvSpPr>
               <p:cNvPr id="59" name="ZoneTexte 58"/>
@@ -8518,54 +8428,71 @@
               <a:p>
                 <a:pPr algn="ctr"/>
                 <a:r>
-                  <a:rPr lang="fr-FR" sz="1000" dirty="0" smtClean="0"/>
+                  <a:rPr lang="fr-FR" sz="1000" dirty="0"/>
                   <a:t>Pivot </a:t>
                 </a:r>
                 <a14:m>
                   <m:oMath xmlns:m="http://schemas.openxmlformats.org/officeDocument/2006/math">
-                    <m:acc>
-                      <m:accPr>
-                        <m:chr m:val="⃗"/>
+                    <m:d>
+                      <m:dPr>
                         <m:ctrlPr>
-                          <a:rPr lang="fr-FR" sz="1000" b="0" i="1" smtClean="0">
-                            <a:latin typeface="Cambria Math"/>
+                          <a:rPr lang="fr-FR" sz="1000" i="1">
+                            <a:latin typeface="Cambria Math" panose="02040503050406030204" pitchFamily="18" charset="0"/>
                           </a:rPr>
                         </m:ctrlPr>
-                      </m:accPr>
+                      </m:dPr>
                       <m:e>
-                        <m:sSub>
-                          <m:sSubPr>
+                        <m:r>
+                          <a:rPr lang="fr-FR" sz="1000" i="1">
+                            <a:latin typeface="Cambria Math" panose="02040503050406030204" pitchFamily="18" charset="0"/>
+                          </a:rPr>
+                          <m:t>?;</m:t>
+                        </m:r>
+                        <m:acc>
+                          <m:accPr>
+                            <m:chr m:val="⃗"/>
                             <m:ctrlPr>
                               <a:rPr lang="fr-FR" sz="1000" i="1">
-                                <a:latin typeface="Cambria Math"/>
+                                <a:latin typeface="Cambria Math" panose="02040503050406030204" pitchFamily="18" charset="0"/>
                               </a:rPr>
                             </m:ctrlPr>
-                          </m:sSubPr>
+                          </m:accPr>
                           <m:e>
-                            <m:r>
-                              <a:rPr lang="fr-FR" sz="1000" i="1">
-                                <a:latin typeface="Cambria Math"/>
-                              </a:rPr>
-                              <m:t>𝑦</m:t>
-                            </m:r>
+                            <m:sSub>
+                              <m:sSubPr>
+                                <m:ctrlPr>
+                                  <a:rPr lang="fr-FR" sz="1000" i="1">
+                                    <a:latin typeface="Cambria Math" panose="02040503050406030204" pitchFamily="18" charset="0"/>
+                                  </a:rPr>
+                                </m:ctrlPr>
+                              </m:sSubPr>
+                              <m:e>
+                                <m:r>
+                                  <a:rPr lang="fr-FR" sz="1000" i="1">
+                                    <a:latin typeface="Cambria Math"/>
+                                  </a:rPr>
+                                  <m:t>𝑦</m:t>
+                                </m:r>
+                              </m:e>
+                              <m:sub>
+                                <m:r>
+                                  <a:rPr lang="fr-FR" sz="1000" i="1">
+                                    <a:latin typeface="Cambria Math"/>
+                                  </a:rPr>
+                                  <m:t>𝑇</m:t>
+                                </m:r>
+                                <m:r>
+                                  <a:rPr lang="fr-FR" sz="1000" i="1">
+                                    <a:latin typeface="Cambria Math"/>
+                                  </a:rPr>
+                                  <m:t>7</m:t>
+                                </m:r>
+                              </m:sub>
+                            </m:sSub>
                           </m:e>
-                          <m:sub>
-                            <m:r>
-                              <a:rPr lang="fr-FR" sz="1000" i="1">
-                                <a:latin typeface="Cambria Math"/>
-                              </a:rPr>
-                              <m:t>𝑇</m:t>
-                            </m:r>
-                            <m:r>
-                              <a:rPr lang="fr-FR" sz="1000" i="1">
-                                <a:latin typeface="Cambria Math"/>
-                              </a:rPr>
-                              <m:t>7</m:t>
-                            </m:r>
-                          </m:sub>
-                        </m:sSub>
+                        </m:acc>
                       </m:e>
-                    </m:acc>
+                    </m:d>
                   </m:oMath>
                 </a14:m>
                 <a:endParaRPr lang="fr-FR" sz="1000" dirty="0"/>
@@ -8573,7 +8500,7 @@
             </p:txBody>
           </p:sp>
         </mc:Choice>
-        <mc:Fallback xmlns="">
+        <mc:Fallback>
           <p:sp>
             <p:nvSpPr>
               <p:cNvPr id="59" name="ZoneTexte 58"/>
@@ -8590,7 +8517,7 @@
               <a:prstGeom prst="rect">
                 <a:avLst/>
               </a:prstGeom>
-              <a:blipFill rotWithShape="1">
+              <a:blipFill>
                 <a:blip r:embed="rId4"/>
                 <a:stretch>
                   <a:fillRect r="-15000"/>
@@ -8614,14 +8541,14 @@
       </mc:AlternateContent>
       <p:sp>
         <p:nvSpPr>
-          <p:cNvPr id="60" name="ZoneTexte 59"/>
+          <p:cNvPr id="62" name="ZoneTexte 61"/>
           <p:cNvSpPr txBox="1"/>
           <p:nvPr/>
         </p:nvSpPr>
         <p:spPr>
           <a:xfrm>
-            <a:off x="2812420" y="4198923"/>
-            <a:ext cx="900711" cy="246221"/>
+            <a:off x="3852511" y="3365004"/>
+            <a:ext cx="900711" cy="400110"/>
           </a:xfrm>
           <a:prstGeom prst="rect">
             <a:avLst/>
@@ -8636,23 +8563,29 @@
           <a:p>
             <a:pPr algn="ctr"/>
             <a:r>
-              <a:rPr lang="fr-FR" sz="1000" dirty="0" smtClean="0"/>
-              <a:t>Rotule</a:t>
+              <a:rPr lang="fr-FR" sz="1000" dirty="0"/>
+              <a:t>Pivot glissant</a:t>
             </a:r>
-            <a:endParaRPr lang="fr-FR" sz="1000" dirty="0"/>
+          </a:p>
+          <a:p>
+            <a:pPr algn="ctr"/>
+            <a:r>
+              <a:rPr lang="fr-FR" sz="1000" dirty="0"/>
+              <a:t>Axe ?</a:t>
+            </a:r>
           </a:p>
         </p:txBody>
       </p:sp>
       <p:sp>
         <p:nvSpPr>
-          <p:cNvPr id="61" name="ZoneTexte 60"/>
+          <p:cNvPr id="63" name="ZoneTexte 62"/>
           <p:cNvSpPr txBox="1"/>
           <p:nvPr/>
         </p:nvSpPr>
         <p:spPr>
           <a:xfrm>
-            <a:off x="1066733" y="4134772"/>
-            <a:ext cx="900711" cy="246221"/>
+            <a:off x="65264" y="3365004"/>
+            <a:ext cx="900711" cy="400110"/>
           </a:xfrm>
           <a:prstGeom prst="rect">
             <a:avLst/>
@@ -8667,137 +8600,109 @@
           <a:p>
             <a:pPr algn="ctr"/>
             <a:r>
-              <a:rPr lang="fr-FR" sz="1000" dirty="0" smtClean="0"/>
-              <a:t>Rotule</a:t>
+              <a:rPr lang="fr-FR" sz="1000" dirty="0"/>
+              <a:t>Pivot glissant</a:t>
             </a:r>
-            <a:endParaRPr lang="fr-FR" sz="1000" dirty="0"/>
+          </a:p>
+          <a:p>
+            <a:pPr algn="ctr"/>
+            <a:r>
+              <a:rPr lang="fr-FR" sz="1000" dirty="0"/>
+              <a:t>Axe ?</a:t>
+            </a:r>
           </a:p>
         </p:txBody>
       </p:sp>
-      <p:sp>
-        <p:nvSpPr>
-          <p:cNvPr id="62" name="ZoneTexte 61"/>
-          <p:cNvSpPr txBox="1"/>
-          <p:nvPr/>
-        </p:nvSpPr>
-        <p:spPr>
-          <a:xfrm>
-            <a:off x="3852511" y="3365004"/>
-            <a:ext cx="900711" cy="246221"/>
-          </a:xfrm>
-          <a:prstGeom prst="rect">
-            <a:avLst/>
-          </a:prstGeom>
-          <a:noFill/>
-        </p:spPr>
-        <p:txBody>
-          <a:bodyPr wrap="square" rtlCol="0">
-            <a:spAutoFit/>
-          </a:bodyPr>
-          <a:lstStyle/>
-          <a:p>
-            <a:pPr algn="ctr"/>
-            <a:r>
-              <a:rPr lang="fr-FR" sz="1000" dirty="0" smtClean="0"/>
-              <a:t>Pivot glissant</a:t>
-            </a:r>
-            <a:endParaRPr lang="fr-FR" sz="1000" dirty="0"/>
-          </a:p>
-        </p:txBody>
-      </p:sp>
-      <p:sp>
-        <p:nvSpPr>
-          <p:cNvPr id="63" name="ZoneTexte 62"/>
-          <p:cNvSpPr txBox="1"/>
-          <p:nvPr/>
-        </p:nvSpPr>
-        <p:spPr>
-          <a:xfrm>
-            <a:off x="65264" y="3365004"/>
-            <a:ext cx="900711" cy="246221"/>
-          </a:xfrm>
-          <a:prstGeom prst="rect">
-            <a:avLst/>
-          </a:prstGeom>
-          <a:noFill/>
-        </p:spPr>
-        <p:txBody>
-          <a:bodyPr wrap="square" rtlCol="0">
-            <a:spAutoFit/>
-          </a:bodyPr>
-          <a:lstStyle/>
-          <a:p>
-            <a:pPr algn="ctr"/>
-            <a:r>
-              <a:rPr lang="fr-FR" sz="1000" dirty="0" smtClean="0"/>
-              <a:t>Pivot glissant</a:t>
-            </a:r>
-            <a:endParaRPr lang="fr-FR" sz="1000" dirty="0"/>
-          </a:p>
-        </p:txBody>
-      </p:sp>
-      <p:sp>
-        <p:nvSpPr>
-          <p:cNvPr id="64" name="ZoneTexte 63"/>
-          <p:cNvSpPr txBox="1"/>
-          <p:nvPr/>
-        </p:nvSpPr>
-        <p:spPr>
-          <a:xfrm>
-            <a:off x="2681779" y="2898168"/>
-            <a:ext cx="900711" cy="246221"/>
-          </a:xfrm>
-          <a:prstGeom prst="rect">
-            <a:avLst/>
-          </a:prstGeom>
-          <a:noFill/>
-        </p:spPr>
-        <p:txBody>
-          <a:bodyPr wrap="square" rtlCol="0">
-            <a:spAutoFit/>
-          </a:bodyPr>
-          <a:lstStyle/>
-          <a:p>
-            <a:pPr algn="ctr"/>
-            <a:r>
-              <a:rPr lang="fr-FR" sz="1000" dirty="0" smtClean="0"/>
-              <a:t>Rotule</a:t>
-            </a:r>
-            <a:endParaRPr lang="fr-FR" sz="1000" dirty="0"/>
-          </a:p>
-        </p:txBody>
-      </p:sp>
-      <p:sp>
-        <p:nvSpPr>
-          <p:cNvPr id="65" name="ZoneTexte 64"/>
-          <p:cNvSpPr txBox="1"/>
-          <p:nvPr/>
-        </p:nvSpPr>
-        <p:spPr>
-          <a:xfrm>
-            <a:off x="1238511" y="2898168"/>
-            <a:ext cx="900711" cy="246221"/>
-          </a:xfrm>
-          <a:prstGeom prst="rect">
-            <a:avLst/>
-          </a:prstGeom>
-          <a:noFill/>
-        </p:spPr>
-        <p:txBody>
-          <a:bodyPr wrap="square" rtlCol="0">
-            <a:spAutoFit/>
-          </a:bodyPr>
-          <a:lstStyle/>
-          <a:p>
-            <a:pPr algn="ctr"/>
-            <a:r>
-              <a:rPr lang="fr-FR" sz="1000" dirty="0" smtClean="0"/>
-              <a:t>Rotule</a:t>
-            </a:r>
-            <a:endParaRPr lang="fr-FR" sz="1000" dirty="0"/>
-          </a:p>
-        </p:txBody>
-      </p:sp>
+      <mc:AlternateContent xmlns:mc="http://schemas.openxmlformats.org/markup-compatibility/2006">
+        <mc:Choice xmlns:a14="http://schemas.microsoft.com/office/drawing/2010/main" Requires="a14">
+          <p:sp>
+            <p:nvSpPr>
+              <p:cNvPr id="65" name="ZoneTexte 64"/>
+              <p:cNvSpPr txBox="1"/>
+              <p:nvPr/>
+            </p:nvSpPr>
+            <p:spPr>
+              <a:xfrm>
+                <a:off x="1221244" y="2774952"/>
+                <a:ext cx="900711" cy="400110"/>
+              </a:xfrm>
+              <a:prstGeom prst="rect">
+                <a:avLst/>
+              </a:prstGeom>
+              <a:noFill/>
+            </p:spPr>
+            <p:txBody>
+              <a:bodyPr wrap="square" rtlCol="0">
+                <a:spAutoFit/>
+              </a:bodyPr>
+              <a:lstStyle/>
+              <a:p>
+                <a:pPr algn="ctr"/>
+                <a:r>
+                  <a:rPr lang="fr-FR" sz="1000" dirty="0"/>
+                  <a:t>Rotule </a:t>
+                </a:r>
+              </a:p>
+              <a:p>
+                <a:pPr algn="ctr"/>
+                <a:r>
+                  <a:rPr lang="fr-FR" sz="1000" b="0" dirty="0"/>
+                  <a:t>Centre </a:t>
+                </a:r>
+                <a14:m>
+                  <m:oMath xmlns:m="http://schemas.openxmlformats.org/officeDocument/2006/math">
+                    <m:r>
+                      <a:rPr lang="fr-FR" sz="1000" b="0" i="1" smtClean="0">
+                        <a:latin typeface="Cambria Math" panose="02040503050406030204" pitchFamily="18" charset="0"/>
+                      </a:rPr>
+                      <m:t>?</m:t>
+                    </m:r>
+                  </m:oMath>
+                </a14:m>
+                <a:endParaRPr lang="fr-FR" sz="1000" dirty="0"/>
+              </a:p>
+            </p:txBody>
+          </p:sp>
+        </mc:Choice>
+        <mc:Fallback>
+          <p:sp>
+            <p:nvSpPr>
+              <p:cNvPr id="65" name="ZoneTexte 64"/>
+              <p:cNvSpPr txBox="1">
+                <a:spLocks noRot="1" noChangeAspect="1" noMove="1" noResize="1" noEditPoints="1" noAdjustHandles="1" noChangeArrowheads="1" noChangeShapeType="1" noTextEdit="1"/>
+              </p:cNvSpPr>
+              <p:nvPr/>
+            </p:nvSpPr>
+            <p:spPr>
+              <a:xfrm>
+                <a:off x="1221244" y="2774952"/>
+                <a:ext cx="900711" cy="400110"/>
+              </a:xfrm>
+              <a:prstGeom prst="rect">
+                <a:avLst/>
+              </a:prstGeom>
+              <a:blipFill>
+                <a:blip r:embed="rId5"/>
+                <a:stretch>
+                  <a:fillRect b="-9091"/>
+                </a:stretch>
+              </a:blipFill>
+            </p:spPr>
+            <p:txBody>
+              <a:bodyPr/>
+              <a:lstStyle/>
+              <a:p>
+                <a:r>
+                  <a:rPr lang="fr-FR">
+                    <a:noFill/>
+                  </a:rPr>
+                  <a:t> </a:t>
+                </a:r>
+              </a:p>
+            </p:txBody>
+          </p:sp>
+        </mc:Fallback>
+      </mc:AlternateContent>
       <p:sp>
         <p:nvSpPr>
           <p:cNvPr id="66" name="Ellipse 65"/>
@@ -8843,18 +8748,13 @@
           <a:p>
             <a:pPr algn="ctr"/>
             <a:r>
-              <a:rPr lang="fr-FR" sz="1400" b="1" dirty="0" smtClean="0">
+              <a:rPr lang="fr-FR" sz="1400" b="1" dirty="0">
                 <a:solidFill>
                   <a:srgbClr val="7030A0"/>
                 </a:solidFill>
               </a:rPr>
               <a:t>T4</a:t>
             </a:r>
-            <a:endParaRPr lang="fr-FR" sz="1400" b="1" dirty="0">
-              <a:solidFill>
-                <a:srgbClr val="7030A0"/>
-              </a:solidFill>
-            </a:endParaRPr>
           </a:p>
         </p:txBody>
       </p:sp>
@@ -8925,7 +8825,7 @@
               <a:p>
                 <a:pPr algn="ctr"/>
                 <a:r>
-                  <a:rPr lang="fr-FR" sz="1000" dirty="0" smtClean="0"/>
+                  <a:rPr lang="fr-FR" sz="1000" dirty="0"/>
                   <a:t>Glissière  </a:t>
                 </a:r>
                 <a14:m>
@@ -8935,7 +8835,7 @@
                         <m:chr m:val="⃗"/>
                         <m:ctrlPr>
                           <a:rPr lang="fr-FR" sz="1000" b="0" i="1" smtClean="0">
-                            <a:latin typeface="Cambria Math"/>
+                            <a:latin typeface="Cambria Math" panose="02040503050406030204" pitchFamily="18" charset="0"/>
                           </a:rPr>
                         </m:ctrlPr>
                       </m:accPr>
@@ -8944,7 +8844,7 @@
                           <m:sSubPr>
                             <m:ctrlPr>
                               <a:rPr lang="fr-FR" sz="1000" i="1">
-                                <a:latin typeface="Cambria Math"/>
+                                <a:latin typeface="Cambria Math" panose="02040503050406030204" pitchFamily="18" charset="0"/>
                               </a:rPr>
                             </m:ctrlPr>
                           </m:sSubPr>
@@ -8998,7 +8898,7 @@
                 <a:avLst/>
               </a:prstGeom>
               <a:blipFill rotWithShape="1">
-                <a:blip r:embed="rId5"/>
+                <a:blip r:embed="rId6"/>
                 <a:stretch>
                   <a:fillRect b="-15000"/>
                 </a:stretch>
@@ -9064,18 +8964,13 @@
           <a:p>
             <a:pPr algn="ctr"/>
             <a:r>
-              <a:rPr lang="fr-FR" sz="1400" b="1" dirty="0" smtClean="0">
+              <a:rPr lang="fr-FR" sz="1400" b="1" dirty="0">
                 <a:solidFill>
                   <a:srgbClr val="FF5BE0"/>
                 </a:solidFill>
               </a:rPr>
               <a:t>T5</a:t>
             </a:r>
-            <a:endParaRPr lang="fr-FR" sz="1400" b="1" dirty="0">
-              <a:solidFill>
-                <a:srgbClr val="FF5BE0"/>
-              </a:solidFill>
-            </a:endParaRPr>
           </a:p>
         </p:txBody>
       </p:sp>
@@ -9164,7 +9059,7 @@
           <a:p>
             <a:pPr algn="ctr"/>
             <a:r>
-              <a:rPr lang="fr-FR" sz="1400" b="1" dirty="0" smtClean="0">
+              <a:rPr lang="fr-FR" sz="1400" b="1" dirty="0">
                 <a:solidFill>
                   <a:schemeClr val="bg1">
                     <a:lumMod val="50000"/>
@@ -9173,13 +9068,6 @@
               </a:rPr>
               <a:t>T6</a:t>
             </a:r>
-            <a:endParaRPr lang="fr-FR" sz="1400" b="1" dirty="0">
-              <a:solidFill>
-                <a:schemeClr val="bg1">
-                  <a:lumMod val="50000"/>
-                </a:schemeClr>
-              </a:solidFill>
-            </a:endParaRPr>
           </a:p>
         </p:txBody>
       </p:sp>
@@ -9250,7 +9138,7 @@
               <a:p>
                 <a:pPr algn="ctr"/>
                 <a:r>
-                  <a:rPr lang="fr-FR" sz="1000" dirty="0" smtClean="0"/>
+                  <a:rPr lang="fr-FR" sz="1000" dirty="0"/>
                   <a:t>Glissière  </a:t>
                 </a:r>
                 <a14:m>
@@ -9260,7 +9148,7 @@
                         <m:chr m:val="⃗"/>
                         <m:ctrlPr>
                           <a:rPr lang="fr-FR" sz="1000" b="0" i="1" smtClean="0">
-                            <a:latin typeface="Cambria Math"/>
+                            <a:latin typeface="Cambria Math" panose="02040503050406030204" pitchFamily="18" charset="0"/>
                           </a:rPr>
                         </m:ctrlPr>
                       </m:accPr>
@@ -9269,7 +9157,7 @@
                           <m:sSubPr>
                             <m:ctrlPr>
                               <a:rPr lang="fr-FR" sz="1000" i="1">
-                                <a:latin typeface="Cambria Math"/>
+                                <a:latin typeface="Cambria Math" panose="02040503050406030204" pitchFamily="18" charset="0"/>
                               </a:rPr>
                             </m:ctrlPr>
                           </m:sSubPr>
@@ -9323,7 +9211,7 @@
                 <a:avLst/>
               </a:prstGeom>
               <a:blipFill rotWithShape="1">
-                <a:blip r:embed="rId6"/>
+                <a:blip r:embed="rId7"/>
                 <a:stretch>
                   <a:fillRect b="-12195"/>
                 </a:stretch>
@@ -9389,18 +9277,13 @@
           <a:p>
             <a:pPr algn="ctr"/>
             <a:r>
-              <a:rPr lang="fr-FR" sz="1400" b="1" dirty="0" smtClean="0">
+              <a:rPr lang="fr-FR" sz="1400" b="1" dirty="0">
                 <a:solidFill>
                   <a:schemeClr val="accent2"/>
                 </a:solidFill>
               </a:rPr>
               <a:t>T7</a:t>
             </a:r>
-            <a:endParaRPr lang="fr-FR" sz="1400" b="1" dirty="0">
-              <a:solidFill>
-                <a:schemeClr val="accent2"/>
-              </a:solidFill>
-            </a:endParaRPr>
           </a:p>
         </p:txBody>
       </p:sp>
@@ -9445,8 +9328,8 @@
           </a:fontRef>
         </p:style>
       </p:cxnSp>
-      <mc:AlternateContent xmlns:mc="http://schemas.openxmlformats.org/markup-compatibility/2006" xmlns:a14="http://schemas.microsoft.com/office/drawing/2010/main">
-        <mc:Choice Requires="a14">
+      <mc:AlternateContent xmlns:mc="http://schemas.openxmlformats.org/markup-compatibility/2006">
+        <mc:Choice xmlns:a14="http://schemas.microsoft.com/office/drawing/2010/main" Requires="a14">
           <p:sp>
             <p:nvSpPr>
               <p:cNvPr id="87" name="ZoneTexte 86"/>
@@ -9471,54 +9354,71 @@
               <a:p>
                 <a:pPr algn="ctr"/>
                 <a:r>
-                  <a:rPr lang="fr-FR" sz="1000" b="0" dirty="0" smtClean="0"/>
+                  <a:rPr lang="fr-FR" sz="1000" b="0" dirty="0"/>
                   <a:t>Pivot </a:t>
                 </a:r>
                 <a14:m>
                   <m:oMath xmlns:m="http://schemas.openxmlformats.org/officeDocument/2006/math">
-                    <m:acc>
-                      <m:accPr>
-                        <m:chr m:val="⃗"/>
+                    <m:d>
+                      <m:dPr>
                         <m:ctrlPr>
                           <a:rPr lang="fr-FR" sz="1000" b="0" i="1" smtClean="0">
-                            <a:latin typeface="Cambria Math"/>
+                            <a:latin typeface="Cambria Math" panose="02040503050406030204" pitchFamily="18" charset="0"/>
                           </a:rPr>
                         </m:ctrlPr>
-                      </m:accPr>
+                      </m:dPr>
                       <m:e>
-                        <m:sSub>
-                          <m:sSubPr>
+                        <m:r>
+                          <a:rPr lang="fr-FR" sz="1000" b="0" i="1" smtClean="0">
+                            <a:latin typeface="Cambria Math" panose="02040503050406030204" pitchFamily="18" charset="0"/>
+                          </a:rPr>
+                          <m:t>?,</m:t>
+                        </m:r>
+                        <m:acc>
+                          <m:accPr>
+                            <m:chr m:val="⃗"/>
                             <m:ctrlPr>
                               <a:rPr lang="fr-FR" sz="1000" i="1">
-                                <a:latin typeface="Cambria Math"/>
+                                <a:latin typeface="Cambria Math" panose="02040503050406030204" pitchFamily="18" charset="0"/>
                               </a:rPr>
                             </m:ctrlPr>
-                          </m:sSubPr>
+                          </m:accPr>
                           <m:e>
-                            <m:r>
-                              <a:rPr lang="fr-FR" sz="1000" b="0" i="1" smtClean="0">
-                                <a:latin typeface="Cambria Math"/>
-                              </a:rPr>
-                              <m:t>𝑥</m:t>
-                            </m:r>
+                            <m:sSub>
+                              <m:sSubPr>
+                                <m:ctrlPr>
+                                  <a:rPr lang="fr-FR" sz="1000" i="1">
+                                    <a:latin typeface="Cambria Math" panose="02040503050406030204" pitchFamily="18" charset="0"/>
+                                  </a:rPr>
+                                </m:ctrlPr>
+                              </m:sSubPr>
+                              <m:e>
+                                <m:r>
+                                  <a:rPr lang="fr-FR" sz="1000" i="1">
+                                    <a:latin typeface="Cambria Math"/>
+                                  </a:rPr>
+                                  <m:t>𝑥</m:t>
+                                </m:r>
+                              </m:e>
+                              <m:sub>
+                                <m:r>
+                                  <a:rPr lang="fr-FR" sz="1000" i="1">
+                                    <a:latin typeface="Cambria Math"/>
+                                  </a:rPr>
+                                  <m:t>𝑇</m:t>
+                                </m:r>
+                                <m:r>
+                                  <a:rPr lang="fr-FR" sz="1000" i="1">
+                                    <a:latin typeface="Cambria Math"/>
+                                  </a:rPr>
+                                  <m:t>6</m:t>
+                                </m:r>
+                              </m:sub>
+                            </m:sSub>
                           </m:e>
-                          <m:sub>
-                            <m:r>
-                              <a:rPr lang="fr-FR" sz="1000" i="1">
-                                <a:latin typeface="Cambria Math"/>
-                              </a:rPr>
-                              <m:t>𝑇</m:t>
-                            </m:r>
-                            <m:r>
-                              <a:rPr lang="fr-FR" sz="1000" b="0" i="1" smtClean="0">
-                                <a:latin typeface="Cambria Math"/>
-                              </a:rPr>
-                              <m:t>6</m:t>
-                            </m:r>
-                          </m:sub>
-                        </m:sSub>
+                        </m:acc>
                       </m:e>
-                    </m:acc>
+                    </m:d>
                   </m:oMath>
                 </a14:m>
                 <a:endParaRPr lang="fr-FR" sz="1000" dirty="0"/>
@@ -9526,7 +9426,7 @@
             </p:txBody>
           </p:sp>
         </mc:Choice>
-        <mc:Fallback xmlns="">
+        <mc:Fallback>
           <p:sp>
             <p:nvSpPr>
               <p:cNvPr id="87" name="ZoneTexte 86"/>
@@ -9543,8 +9443,8 @@
               <a:prstGeom prst="rect">
                 <a:avLst/>
               </a:prstGeom>
-              <a:blipFill rotWithShape="1">
-                <a:blip r:embed="rId7"/>
+              <a:blipFill>
+                <a:blip r:embed="rId8"/>
                 <a:stretch>
                   <a:fillRect b="-15000"/>
                 </a:stretch>
@@ -9610,18 +9510,13 @@
           <a:p>
             <a:pPr algn="ctr"/>
             <a:r>
-              <a:rPr lang="fr-FR" sz="1400" b="1" dirty="0" smtClean="0">
+              <a:rPr lang="fr-FR" sz="1400" b="1" dirty="0">
                 <a:solidFill>
                   <a:srgbClr val="0070C0"/>
                 </a:solidFill>
               </a:rPr>
               <a:t>T8</a:t>
             </a:r>
-            <a:endParaRPr lang="fr-FR" sz="1400" b="1" dirty="0">
-              <a:solidFill>
-                <a:srgbClr val="0070C0"/>
-              </a:solidFill>
-            </a:endParaRPr>
           </a:p>
         </p:txBody>
       </p:sp>
@@ -9666,8 +9561,8 @@
           </a:fontRef>
         </p:style>
       </p:cxnSp>
-      <mc:AlternateContent xmlns:mc="http://schemas.openxmlformats.org/markup-compatibility/2006" xmlns:a14="http://schemas.microsoft.com/office/drawing/2010/main">
-        <mc:Choice Requires="a14">
+      <mc:AlternateContent xmlns:mc="http://schemas.openxmlformats.org/markup-compatibility/2006">
+        <mc:Choice xmlns:a14="http://schemas.microsoft.com/office/drawing/2010/main" Requires="a14">
           <p:sp>
             <p:nvSpPr>
               <p:cNvPr id="92" name="ZoneTexte 91"/>
@@ -9692,54 +9587,71 @@
               <a:p>
                 <a:pPr algn="ctr"/>
                 <a:r>
-                  <a:rPr lang="fr-FR" sz="1000" b="0" dirty="0" smtClean="0"/>
+                  <a:rPr lang="fr-FR" sz="1000" b="0" dirty="0"/>
                   <a:t>Pivot </a:t>
                 </a:r>
                 <a14:m>
                   <m:oMath xmlns:m="http://schemas.openxmlformats.org/officeDocument/2006/math">
-                    <m:acc>
-                      <m:accPr>
-                        <m:chr m:val="⃗"/>
+                    <m:d>
+                      <m:dPr>
                         <m:ctrlPr>
                           <a:rPr lang="fr-FR" sz="1000" b="0" i="1" smtClean="0">
-                            <a:latin typeface="Cambria Math"/>
+                            <a:latin typeface="Cambria Math" panose="02040503050406030204" pitchFamily="18" charset="0"/>
                           </a:rPr>
                         </m:ctrlPr>
-                      </m:accPr>
+                      </m:dPr>
                       <m:e>
-                        <m:sSub>
-                          <m:sSubPr>
+                        <m:r>
+                          <a:rPr lang="fr-FR" sz="1000" b="0" i="1" smtClean="0">
+                            <a:latin typeface="Cambria Math" panose="02040503050406030204" pitchFamily="18" charset="0"/>
+                          </a:rPr>
+                          <m:t>?;</m:t>
+                        </m:r>
+                        <m:acc>
+                          <m:accPr>
+                            <m:chr m:val="⃗"/>
                             <m:ctrlPr>
                               <a:rPr lang="fr-FR" sz="1000" i="1">
-                                <a:latin typeface="Cambria Math"/>
+                                <a:latin typeface="Cambria Math" panose="02040503050406030204" pitchFamily="18" charset="0"/>
                               </a:rPr>
                             </m:ctrlPr>
-                          </m:sSubPr>
+                          </m:accPr>
                           <m:e>
-                            <m:r>
-                              <a:rPr lang="fr-FR" sz="1000" b="0" i="1" smtClean="0">
-                                <a:latin typeface="Cambria Math"/>
-                              </a:rPr>
-                              <m:t>𝑥</m:t>
-                            </m:r>
+                            <m:sSub>
+                              <m:sSubPr>
+                                <m:ctrlPr>
+                                  <a:rPr lang="fr-FR" sz="1000" i="1">
+                                    <a:latin typeface="Cambria Math" panose="02040503050406030204" pitchFamily="18" charset="0"/>
+                                  </a:rPr>
+                                </m:ctrlPr>
+                              </m:sSubPr>
+                              <m:e>
+                                <m:r>
+                                  <a:rPr lang="fr-FR" sz="1000" i="1">
+                                    <a:latin typeface="Cambria Math"/>
+                                  </a:rPr>
+                                  <m:t>𝑥</m:t>
+                                </m:r>
+                              </m:e>
+                              <m:sub>
+                                <m:r>
+                                  <a:rPr lang="fr-FR" sz="1000" i="1">
+                                    <a:latin typeface="Cambria Math"/>
+                                  </a:rPr>
+                                  <m:t>𝑇</m:t>
+                                </m:r>
+                                <m:r>
+                                  <a:rPr lang="fr-FR" sz="1000" i="1">
+                                    <a:latin typeface="Cambria Math"/>
+                                  </a:rPr>
+                                  <m:t>8</m:t>
+                                </m:r>
+                              </m:sub>
+                            </m:sSub>
                           </m:e>
-                          <m:sub>
-                            <m:r>
-                              <a:rPr lang="fr-FR" sz="1000" i="1">
-                                <a:latin typeface="Cambria Math"/>
-                              </a:rPr>
-                              <m:t>𝑇</m:t>
-                            </m:r>
-                            <m:r>
-                              <a:rPr lang="fr-FR" sz="1000" b="0" i="1" smtClean="0">
-                                <a:latin typeface="Cambria Math"/>
-                              </a:rPr>
-                              <m:t>8</m:t>
-                            </m:r>
-                          </m:sub>
-                        </m:sSub>
+                        </m:acc>
                       </m:e>
-                    </m:acc>
+                    </m:d>
                   </m:oMath>
                 </a14:m>
                 <a:endParaRPr lang="fr-FR" sz="1000" dirty="0"/>
@@ -9747,7 +9659,7 @@
             </p:txBody>
           </p:sp>
         </mc:Choice>
-        <mc:Fallback xmlns="">
+        <mc:Fallback>
           <p:sp>
             <p:nvSpPr>
               <p:cNvPr id="92" name="ZoneTexte 91"/>
@@ -9764,8 +9676,8 @@
               <a:prstGeom prst="rect">
                 <a:avLst/>
               </a:prstGeom>
-              <a:blipFill rotWithShape="1">
-                <a:blip r:embed="rId8"/>
+              <a:blipFill>
+                <a:blip r:embed="rId9"/>
                 <a:stretch>
                   <a:fillRect b="-15000"/>
                 </a:stretch>
@@ -9812,7 +9724,7 @@
               <a:p>
                 <a:pPr algn="ctr"/>
                 <a:r>
-                  <a:rPr lang="fr-FR" sz="1000" dirty="0" smtClean="0"/>
+                  <a:rPr lang="fr-FR" sz="1000" dirty="0"/>
                   <a:t>Glissière  </a:t>
                 </a:r>
                 <a14:m>
@@ -9822,7 +9734,7 @@
                         <m:chr m:val="⃗"/>
                         <m:ctrlPr>
                           <a:rPr lang="fr-FR" sz="1000" b="0" i="1" smtClean="0">
-                            <a:latin typeface="Cambria Math"/>
+                            <a:latin typeface="Cambria Math" panose="02040503050406030204" pitchFamily="18" charset="0"/>
                           </a:rPr>
                         </m:ctrlPr>
                       </m:accPr>
@@ -9831,7 +9743,7 @@
                           <m:sSubPr>
                             <m:ctrlPr>
                               <a:rPr lang="fr-FR" sz="1000" i="1">
-                                <a:latin typeface="Cambria Math"/>
+                                <a:latin typeface="Cambria Math" panose="02040503050406030204" pitchFamily="18" charset="0"/>
                               </a:rPr>
                             </m:ctrlPr>
                           </m:sSubPr>
@@ -9885,7 +9797,7 @@
                 <a:avLst/>
               </a:prstGeom>
               <a:blipFill rotWithShape="1">
-                <a:blip r:embed="rId9"/>
+                <a:blip r:embed="rId10"/>
                 <a:stretch>
                   <a:fillRect b="-15000"/>
                 </a:stretch>
@@ -9951,18 +9863,13 @@
           <a:p>
             <a:pPr algn="ctr"/>
             <a:r>
-              <a:rPr lang="fr-FR" sz="1400" b="1" dirty="0" smtClean="0">
+              <a:rPr lang="fr-FR" sz="1400" b="1" dirty="0">
                 <a:solidFill>
                   <a:srgbClr val="FFC000"/>
                 </a:solidFill>
               </a:rPr>
               <a:t>T9</a:t>
             </a:r>
-            <a:endParaRPr lang="fr-FR" sz="1400" b="1" dirty="0">
-              <a:solidFill>
-                <a:srgbClr val="FFC000"/>
-              </a:solidFill>
-            </a:endParaRPr>
           </a:p>
         </p:txBody>
       </p:sp>
@@ -10072,10 +9979,9 @@
           <a:p>
             <a:pPr algn="ctr"/>
             <a:r>
-              <a:rPr lang="fr-FR" sz="1000" dirty="0" smtClean="0"/>
+              <a:rPr lang="fr-FR" sz="1000" dirty="0"/>
               <a:t>Rotule E</a:t>
             </a:r>
-            <a:endParaRPr lang="fr-FR" sz="1000" dirty="0"/>
           </a:p>
         </p:txBody>
       </p:sp>
@@ -10103,10 +10009,9 @@
           <a:p>
             <a:pPr algn="ctr"/>
             <a:r>
-              <a:rPr lang="fr-FR" sz="1000" dirty="0" smtClean="0"/>
+              <a:rPr lang="fr-FR" sz="1000" dirty="0"/>
               <a:t>Rotule D</a:t>
             </a:r>
-            <a:endParaRPr lang="fr-FR" sz="1000" dirty="0"/>
           </a:p>
         </p:txBody>
       </p:sp>
@@ -10155,18 +10060,13 @@
           <a:p>
             <a:pPr algn="ctr"/>
             <a:r>
-              <a:rPr lang="fr-FR" sz="1200" b="1" dirty="0" smtClean="0">
+              <a:rPr lang="fr-FR" sz="1200" b="1" dirty="0">
                 <a:solidFill>
                   <a:schemeClr val="tx1"/>
                 </a:solidFill>
               </a:rPr>
               <a:t>T11</a:t>
             </a:r>
-            <a:endParaRPr lang="fr-FR" sz="1200" b="1" dirty="0">
-              <a:solidFill>
-                <a:schemeClr val="tx1"/>
-              </a:solidFill>
-            </a:endParaRPr>
           </a:p>
         </p:txBody>
       </p:sp>
@@ -10256,18 +10156,13 @@
           <a:p>
             <a:pPr algn="ctr"/>
             <a:r>
-              <a:rPr lang="fr-FR" sz="1200" b="1" dirty="0" smtClean="0">
+              <a:rPr lang="fr-FR" sz="1200" b="1" dirty="0">
                 <a:solidFill>
                   <a:srgbClr val="FF0000"/>
                 </a:solidFill>
               </a:rPr>
               <a:t>T10</a:t>
             </a:r>
-            <a:endParaRPr lang="fr-FR" sz="1200" b="1" dirty="0">
-              <a:solidFill>
-                <a:srgbClr val="FF0000"/>
-              </a:solidFill>
-            </a:endParaRPr>
           </a:p>
         </p:txBody>
       </p:sp>
@@ -10312,8 +10207,8 @@
           </a:fontRef>
         </p:style>
       </p:cxnSp>
-      <mc:AlternateContent xmlns:mc="http://schemas.openxmlformats.org/markup-compatibility/2006" xmlns:a14="http://schemas.microsoft.com/office/drawing/2010/main">
-        <mc:Choice Requires="a14">
+      <mc:AlternateContent xmlns:mc="http://schemas.openxmlformats.org/markup-compatibility/2006">
+        <mc:Choice xmlns:a14="http://schemas.microsoft.com/office/drawing/2010/main" Requires="a14">
           <p:sp>
             <p:nvSpPr>
               <p:cNvPr id="123" name="ZoneTexte 122"/>
@@ -10338,62 +10233,87 @@
               <a:p>
                 <a:pPr algn="ctr"/>
                 <a:r>
-                  <a:rPr lang="fr-FR" sz="1000" b="0" dirty="0" smtClean="0"/>
-                  <a:t>Pivot glissant </a:t>
+                  <a:rPr lang="fr-FR" sz="1000" b="0" dirty="0"/>
+                  <a:t>Pivot glissant</a:t>
                 </a:r>
+              </a:p>
+              <a:p>
+                <a:pPr algn="ctr"/>
                 <a14:m>
-                  <m:oMath xmlns:m="http://schemas.openxmlformats.org/officeDocument/2006/math">
-                    <m:acc>
-                      <m:accPr>
-                        <m:chr m:val="⃗"/>
-                        <m:ctrlPr>
-                          <a:rPr lang="fr-FR" sz="1000" b="0" i="1" smtClean="0">
-                            <a:latin typeface="Cambria Math"/>
-                          </a:rPr>
-                        </m:ctrlPr>
-                      </m:accPr>
-                      <m:e>
-                        <m:sSub>
-                          <m:sSubPr>
-                            <m:ctrlPr>
-                              <a:rPr lang="fr-FR" sz="1000" b="0" i="1" smtClean="0">
-                                <a:latin typeface="Cambria Math"/>
-                              </a:rPr>
-                            </m:ctrlPr>
-                          </m:sSubPr>
-                          <m:e>
-                            <m:r>
-                              <a:rPr lang="fr-FR" sz="1000" i="1" smtClean="0">
-                                <a:latin typeface="Cambria Math"/>
-                              </a:rPr>
-                              <m:t>𝑧</m:t>
-                            </m:r>
-                          </m:e>
-                          <m:sub>
-                            <m:r>
-                              <a:rPr lang="fr-FR" sz="1000" b="0" i="1" smtClean="0">
-                                <a:latin typeface="Cambria Math"/>
-                              </a:rPr>
-                              <m:t>𝑇</m:t>
-                            </m:r>
-                            <m:r>
-                              <a:rPr lang="fr-FR" sz="1000" b="0" i="1" smtClean="0">
-                                <a:latin typeface="Cambria Math"/>
-                              </a:rPr>
-                              <m:t>10</m:t>
-                            </m:r>
-                          </m:sub>
-                        </m:sSub>
-                      </m:e>
-                    </m:acc>
-                  </m:oMath>
+                  <m:oMathPara xmlns:m="http://schemas.openxmlformats.org/officeDocument/2006/math">
+                    <m:oMathParaPr>
+                      <m:jc m:val="centerGroup"/>
+                    </m:oMathParaPr>
+                    <m:oMath xmlns:m="http://schemas.openxmlformats.org/officeDocument/2006/math">
+                      <m:d>
+                        <m:dPr>
+                          <m:ctrlPr>
+                            <a:rPr lang="fr-FR" sz="1000" i="1" smtClean="0">
+                              <a:latin typeface="Cambria Math" panose="02040503050406030204" pitchFamily="18" charset="0"/>
+                            </a:rPr>
+                          </m:ctrlPr>
+                        </m:dPr>
+                        <m:e>
+                          <m:r>
+                            <a:rPr lang="fr-FR" sz="1000" b="0" i="1" smtClean="0">
+                              <a:latin typeface="Cambria Math" panose="02040503050406030204" pitchFamily="18" charset="0"/>
+                            </a:rPr>
+                            <m:t>?,</m:t>
+                          </m:r>
+                          <m:acc>
+                            <m:accPr>
+                              <m:chr m:val="⃗"/>
+                              <m:ctrlPr>
+                                <a:rPr lang="fr-FR" sz="1000" i="1">
+                                  <a:latin typeface="Cambria Math" panose="02040503050406030204" pitchFamily="18" charset="0"/>
+                                </a:rPr>
+                              </m:ctrlPr>
+                            </m:accPr>
+                            <m:e>
+                              <m:sSub>
+                                <m:sSubPr>
+                                  <m:ctrlPr>
+                                    <a:rPr lang="fr-FR" sz="1000" i="1">
+                                      <a:latin typeface="Cambria Math" panose="02040503050406030204" pitchFamily="18" charset="0"/>
+                                    </a:rPr>
+                                  </m:ctrlPr>
+                                </m:sSubPr>
+                                <m:e>
+                                  <m:r>
+                                    <a:rPr lang="fr-FR" sz="1000" i="1">
+                                      <a:latin typeface="Cambria Math"/>
+                                    </a:rPr>
+                                    <m:t>𝑧</m:t>
+                                  </m:r>
+                                </m:e>
+                                <m:sub>
+                                  <m:r>
+                                    <a:rPr lang="fr-FR" sz="1000" i="1">
+                                      <a:latin typeface="Cambria Math"/>
+                                    </a:rPr>
+                                    <m:t>𝑇</m:t>
+                                  </m:r>
+                                  <m:r>
+                                    <a:rPr lang="fr-FR" sz="1000" i="1">
+                                      <a:latin typeface="Cambria Math"/>
+                                    </a:rPr>
+                                    <m:t>10</m:t>
+                                  </m:r>
+                                </m:sub>
+                              </m:sSub>
+                            </m:e>
+                          </m:acc>
+                        </m:e>
+                      </m:d>
+                    </m:oMath>
+                  </m:oMathPara>
                 </a14:m>
                 <a:endParaRPr lang="fr-FR" sz="1000" dirty="0"/>
               </a:p>
             </p:txBody>
           </p:sp>
         </mc:Choice>
-        <mc:Fallback xmlns="">
+        <mc:Fallback>
           <p:sp>
             <p:nvSpPr>
               <p:cNvPr id="123" name="ZoneTexte 122"/>
@@ -10410,8 +10330,8 @@
               <a:prstGeom prst="rect">
                 <a:avLst/>
               </a:prstGeom>
-              <a:blipFill rotWithShape="1">
-                <a:blip r:embed="rId10"/>
+              <a:blipFill>
+                <a:blip r:embed="rId11"/>
                 <a:stretch>
                   <a:fillRect/>
                 </a:stretch>
@@ -10497,10 +10417,9 @@
           <a:p>
             <a:pPr algn="ctr"/>
             <a:r>
-              <a:rPr lang="fr-FR" sz="1000" dirty="0" smtClean="0"/>
+              <a:rPr lang="fr-FR" sz="1000" dirty="0"/>
               <a:t>Rotule A</a:t>
             </a:r>
-            <a:endParaRPr lang="fr-FR" sz="1000" dirty="0"/>
           </a:p>
         </p:txBody>
       </p:sp>
@@ -11008,10 +10927,9 @@
           <a:p>
             <a:pPr algn="ctr"/>
             <a:r>
-              <a:rPr lang="fr-FR" sz="1000" dirty="0" smtClean="0"/>
+              <a:rPr lang="fr-FR" sz="1000" dirty="0"/>
               <a:t>Pesanteur</a:t>
             </a:r>
-            <a:endParaRPr lang="fr-FR" sz="1000" dirty="0"/>
           </a:p>
         </p:txBody>
       </p:sp>
@@ -11159,13 +11077,318 @@
           <a:p>
             <a:pPr algn="ctr"/>
             <a:r>
-              <a:rPr lang="fr-FR" sz="1000" dirty="0" smtClean="0"/>
+              <a:rPr lang="fr-FR" sz="1000" dirty="0"/>
               <a:t>Pesanteur</a:t>
             </a:r>
-            <a:endParaRPr lang="fr-FR" sz="1000" dirty="0"/>
           </a:p>
         </p:txBody>
       </p:sp>
+      <mc:AlternateContent xmlns:mc="http://schemas.openxmlformats.org/markup-compatibility/2006">
+        <mc:Choice xmlns:a14="http://schemas.microsoft.com/office/drawing/2010/main" Requires="a14">
+          <p:sp>
+            <p:nvSpPr>
+              <p:cNvPr id="68" name="ZoneTexte 67">
+                <a:extLst>
+                  <a:ext uri="{FF2B5EF4-FFF2-40B4-BE49-F238E27FC236}">
+                    <a16:creationId xmlns:a16="http://schemas.microsoft.com/office/drawing/2014/main" id="{84C39217-C9A8-4779-A00D-1C5CF9D96728}"/>
+                  </a:ext>
+                </a:extLst>
+              </p:cNvPr>
+              <p:cNvSpPr txBox="1"/>
+              <p:nvPr/>
+            </p:nvSpPr>
+            <p:spPr>
+              <a:xfrm>
+                <a:off x="2959053" y="4125604"/>
+                <a:ext cx="900711" cy="400110"/>
+              </a:xfrm>
+              <a:prstGeom prst="rect">
+                <a:avLst/>
+              </a:prstGeom>
+              <a:noFill/>
+            </p:spPr>
+            <p:txBody>
+              <a:bodyPr wrap="square" rtlCol="0">
+                <a:spAutoFit/>
+              </a:bodyPr>
+              <a:lstStyle/>
+              <a:p>
+                <a:pPr algn="ctr"/>
+                <a:r>
+                  <a:rPr lang="fr-FR" sz="1000" dirty="0"/>
+                  <a:t>Rotule </a:t>
+                </a:r>
+              </a:p>
+              <a:p>
+                <a:pPr algn="ctr"/>
+                <a:r>
+                  <a:rPr lang="fr-FR" sz="1000" b="0" dirty="0"/>
+                  <a:t>Centre </a:t>
+                </a:r>
+                <a14:m>
+                  <m:oMath xmlns:m="http://schemas.openxmlformats.org/officeDocument/2006/math">
+                    <m:r>
+                      <a:rPr lang="fr-FR" sz="1000" b="0" i="1" smtClean="0">
+                        <a:latin typeface="Cambria Math" panose="02040503050406030204" pitchFamily="18" charset="0"/>
+                      </a:rPr>
+                      <m:t>?</m:t>
+                    </m:r>
+                  </m:oMath>
+                </a14:m>
+                <a:endParaRPr lang="fr-FR" sz="1000" dirty="0"/>
+              </a:p>
+            </p:txBody>
+          </p:sp>
+        </mc:Choice>
+        <mc:Fallback>
+          <p:sp>
+            <p:nvSpPr>
+              <p:cNvPr id="68" name="ZoneTexte 67">
+                <a:extLst>
+                  <a:ext uri="{FF2B5EF4-FFF2-40B4-BE49-F238E27FC236}">
+                    <a16:creationId xmlns:a16="http://schemas.microsoft.com/office/drawing/2014/main" id="{84C39217-C9A8-4779-A00D-1C5CF9D96728}"/>
+                  </a:ext>
+                </a:extLst>
+              </p:cNvPr>
+              <p:cNvSpPr txBox="1">
+                <a:spLocks noRot="1" noChangeAspect="1" noMove="1" noResize="1" noEditPoints="1" noAdjustHandles="1" noChangeArrowheads="1" noChangeShapeType="1" noTextEdit="1"/>
+              </p:cNvSpPr>
+              <p:nvPr/>
+            </p:nvSpPr>
+            <p:spPr>
+              <a:xfrm>
+                <a:off x="2959053" y="4125604"/>
+                <a:ext cx="900711" cy="400110"/>
+              </a:xfrm>
+              <a:prstGeom prst="rect">
+                <a:avLst/>
+              </a:prstGeom>
+              <a:blipFill>
+                <a:blip r:embed="rId12"/>
+                <a:stretch>
+                  <a:fillRect b="-9231"/>
+                </a:stretch>
+              </a:blipFill>
+            </p:spPr>
+            <p:txBody>
+              <a:bodyPr/>
+              <a:lstStyle/>
+              <a:p>
+                <a:r>
+                  <a:rPr lang="fr-FR">
+                    <a:noFill/>
+                  </a:rPr>
+                  <a:t> </a:t>
+                </a:r>
+              </a:p>
+            </p:txBody>
+          </p:sp>
+        </mc:Fallback>
+      </mc:AlternateContent>
+      <mc:AlternateContent xmlns:mc="http://schemas.openxmlformats.org/markup-compatibility/2006">
+        <mc:Choice xmlns:a14="http://schemas.microsoft.com/office/drawing/2010/main" Requires="a14">
+          <p:sp>
+            <p:nvSpPr>
+              <p:cNvPr id="69" name="ZoneTexte 68">
+                <a:extLst>
+                  <a:ext uri="{FF2B5EF4-FFF2-40B4-BE49-F238E27FC236}">
+                    <a16:creationId xmlns:a16="http://schemas.microsoft.com/office/drawing/2014/main" id="{62CB8209-5607-417F-852B-3F9B800E091A}"/>
+                  </a:ext>
+                </a:extLst>
+              </p:cNvPr>
+              <p:cNvSpPr txBox="1"/>
+              <p:nvPr/>
+            </p:nvSpPr>
+            <p:spPr>
+              <a:xfrm>
+                <a:off x="1108541" y="4136319"/>
+                <a:ext cx="900711" cy="400110"/>
+              </a:xfrm>
+              <a:prstGeom prst="rect">
+                <a:avLst/>
+              </a:prstGeom>
+              <a:noFill/>
+            </p:spPr>
+            <p:txBody>
+              <a:bodyPr wrap="square" rtlCol="0">
+                <a:spAutoFit/>
+              </a:bodyPr>
+              <a:lstStyle/>
+              <a:p>
+                <a:pPr algn="ctr"/>
+                <a:r>
+                  <a:rPr lang="fr-FR" sz="1000" dirty="0"/>
+                  <a:t>Rotule </a:t>
+                </a:r>
+              </a:p>
+              <a:p>
+                <a:pPr algn="ctr"/>
+                <a:r>
+                  <a:rPr lang="fr-FR" sz="1000" b="0" dirty="0"/>
+                  <a:t>Centre </a:t>
+                </a:r>
+                <a14:m>
+                  <m:oMath xmlns:m="http://schemas.openxmlformats.org/officeDocument/2006/math">
+                    <m:r>
+                      <a:rPr lang="fr-FR" sz="1000" b="0" i="1" smtClean="0">
+                        <a:latin typeface="Cambria Math" panose="02040503050406030204" pitchFamily="18" charset="0"/>
+                      </a:rPr>
+                      <m:t>?</m:t>
+                    </m:r>
+                  </m:oMath>
+                </a14:m>
+                <a:endParaRPr lang="fr-FR" sz="1000" dirty="0"/>
+              </a:p>
+            </p:txBody>
+          </p:sp>
+        </mc:Choice>
+        <mc:Fallback>
+          <p:sp>
+            <p:nvSpPr>
+              <p:cNvPr id="69" name="ZoneTexte 68">
+                <a:extLst>
+                  <a:ext uri="{FF2B5EF4-FFF2-40B4-BE49-F238E27FC236}">
+                    <a16:creationId xmlns:a16="http://schemas.microsoft.com/office/drawing/2014/main" id="{62CB8209-5607-417F-852B-3F9B800E091A}"/>
+                  </a:ext>
+                </a:extLst>
+              </p:cNvPr>
+              <p:cNvSpPr txBox="1">
+                <a:spLocks noRot="1" noChangeAspect="1" noMove="1" noResize="1" noEditPoints="1" noAdjustHandles="1" noChangeArrowheads="1" noChangeShapeType="1" noTextEdit="1"/>
+              </p:cNvSpPr>
+              <p:nvPr/>
+            </p:nvSpPr>
+            <p:spPr>
+              <a:xfrm>
+                <a:off x="1108541" y="4136319"/>
+                <a:ext cx="900711" cy="400110"/>
+              </a:xfrm>
+              <a:prstGeom prst="rect">
+                <a:avLst/>
+              </a:prstGeom>
+              <a:blipFill>
+                <a:blip r:embed="rId12"/>
+                <a:stretch>
+                  <a:fillRect b="-9231"/>
+                </a:stretch>
+              </a:blipFill>
+            </p:spPr>
+            <p:txBody>
+              <a:bodyPr/>
+              <a:lstStyle/>
+              <a:p>
+                <a:r>
+                  <a:rPr lang="fr-FR">
+                    <a:noFill/>
+                  </a:rPr>
+                  <a:t> </a:t>
+                </a:r>
+              </a:p>
+            </p:txBody>
+          </p:sp>
+        </mc:Fallback>
+      </mc:AlternateContent>
+      <mc:AlternateContent xmlns:mc="http://schemas.openxmlformats.org/markup-compatibility/2006">
+        <mc:Choice xmlns:a14="http://schemas.microsoft.com/office/drawing/2010/main" Requires="a14">
+          <p:sp>
+            <p:nvSpPr>
+              <p:cNvPr id="70" name="ZoneTexte 69">
+                <a:extLst>
+                  <a:ext uri="{FF2B5EF4-FFF2-40B4-BE49-F238E27FC236}">
+                    <a16:creationId xmlns:a16="http://schemas.microsoft.com/office/drawing/2014/main" id="{0726A4F7-5368-4174-9625-7F5845FE2752}"/>
+                  </a:ext>
+                </a:extLst>
+              </p:cNvPr>
+              <p:cNvSpPr txBox="1"/>
+              <p:nvPr/>
+            </p:nvSpPr>
+            <p:spPr>
+              <a:xfrm>
+                <a:off x="2659927" y="2804887"/>
+                <a:ext cx="900711" cy="400110"/>
+              </a:xfrm>
+              <a:prstGeom prst="rect">
+                <a:avLst/>
+              </a:prstGeom>
+              <a:noFill/>
+            </p:spPr>
+            <p:txBody>
+              <a:bodyPr wrap="square" rtlCol="0">
+                <a:spAutoFit/>
+              </a:bodyPr>
+              <a:lstStyle/>
+              <a:p>
+                <a:pPr algn="ctr"/>
+                <a:r>
+                  <a:rPr lang="fr-FR" sz="1000" dirty="0"/>
+                  <a:t>Rotule </a:t>
+                </a:r>
+              </a:p>
+              <a:p>
+                <a:pPr algn="ctr"/>
+                <a:r>
+                  <a:rPr lang="fr-FR" sz="1000" b="0" dirty="0"/>
+                  <a:t>Centre </a:t>
+                </a:r>
+                <a14:m>
+                  <m:oMath xmlns:m="http://schemas.openxmlformats.org/officeDocument/2006/math">
+                    <m:r>
+                      <a:rPr lang="fr-FR" sz="1000" b="0" i="1" smtClean="0">
+                        <a:latin typeface="Cambria Math" panose="02040503050406030204" pitchFamily="18" charset="0"/>
+                      </a:rPr>
+                      <m:t>?</m:t>
+                    </m:r>
+                  </m:oMath>
+                </a14:m>
+                <a:endParaRPr lang="fr-FR" sz="1000" dirty="0"/>
+              </a:p>
+            </p:txBody>
+          </p:sp>
+        </mc:Choice>
+        <mc:Fallback>
+          <p:sp>
+            <p:nvSpPr>
+              <p:cNvPr id="70" name="ZoneTexte 69">
+                <a:extLst>
+                  <a:ext uri="{FF2B5EF4-FFF2-40B4-BE49-F238E27FC236}">
+                    <a16:creationId xmlns:a16="http://schemas.microsoft.com/office/drawing/2014/main" id="{0726A4F7-5368-4174-9625-7F5845FE2752}"/>
+                  </a:ext>
+                </a:extLst>
+              </p:cNvPr>
+              <p:cNvSpPr txBox="1">
+                <a:spLocks noRot="1" noChangeAspect="1" noMove="1" noResize="1" noEditPoints="1" noAdjustHandles="1" noChangeArrowheads="1" noChangeShapeType="1" noTextEdit="1"/>
+              </p:cNvSpPr>
+              <p:nvPr/>
+            </p:nvSpPr>
+            <p:spPr>
+              <a:xfrm>
+                <a:off x="2659927" y="2804887"/>
+                <a:ext cx="900711" cy="400110"/>
+              </a:xfrm>
+              <a:prstGeom prst="rect">
+                <a:avLst/>
+              </a:prstGeom>
+              <a:blipFill>
+                <a:blip r:embed="rId5"/>
+                <a:stretch>
+                  <a:fillRect b="-9091"/>
+                </a:stretch>
+              </a:blipFill>
+            </p:spPr>
+            <p:txBody>
+              <a:bodyPr/>
+              <a:lstStyle/>
+              <a:p>
+                <a:r>
+                  <a:rPr lang="fr-FR">
+                    <a:noFill/>
+                  </a:rPr>
+                  <a:t> </a:t>
+                </a:r>
+              </a:p>
+            </p:txBody>
+          </p:sp>
+        </mc:Fallback>
+      </mc:AlternateContent>
     </p:spTree>
     <p:extLst>
       <p:ext uri="{BB962C8B-B14F-4D97-AF65-F5344CB8AC3E}">
@@ -11176,13 +11399,6 @@
   <p:clrMapOvr>
     <a:masterClrMapping/>
   </p:clrMapOvr>
-  <p:timing>
-    <p:tnLst>
-      <p:par>
-        <p:cTn id="1" dur="indefinite" restart="never" nodeType="tmRoot"/>
-      </p:par>
-    </p:tnLst>
-  </p:timing>
 </p:sld>
 </file>
 
@@ -11850,18 +12066,13 @@
           <a:p>
             <a:pPr algn="ctr"/>
             <a:r>
-              <a:rPr lang="fr-FR" sz="1400" b="1" dirty="0" smtClean="0">
+              <a:rPr lang="fr-FR" sz="1400" b="1" dirty="0">
                 <a:solidFill>
                   <a:srgbClr val="00B050"/>
                 </a:solidFill>
               </a:rPr>
               <a:t>T3</a:t>
             </a:r>
-            <a:endParaRPr lang="fr-FR" sz="1400" b="1" dirty="0">
-              <a:solidFill>
-                <a:srgbClr val="00B050"/>
-              </a:solidFill>
-            </a:endParaRPr>
           </a:p>
         </p:txBody>
       </p:sp>
@@ -11910,18 +12121,13 @@
           <a:p>
             <a:pPr algn="ctr"/>
             <a:r>
-              <a:rPr lang="fr-FR" sz="1400" b="1" dirty="0" smtClean="0">
+              <a:rPr lang="fr-FR" sz="1400" b="1" dirty="0">
                 <a:solidFill>
                   <a:srgbClr val="7030A0"/>
                 </a:solidFill>
               </a:rPr>
               <a:t>T4</a:t>
             </a:r>
-            <a:endParaRPr lang="fr-FR" sz="1400" b="1" dirty="0">
-              <a:solidFill>
-                <a:srgbClr val="7030A0"/>
-              </a:solidFill>
-            </a:endParaRPr>
           </a:p>
         </p:txBody>
       </p:sp>
@@ -11951,7 +12157,7 @@
               <a:p>
                 <a:pPr algn="ctr"/>
                 <a:r>
-                  <a:rPr lang="fr-FR" sz="1000" dirty="0" smtClean="0"/>
+                  <a:rPr lang="fr-FR" sz="1000" dirty="0"/>
                   <a:t>Pivot glissant </a:t>
                 </a:r>
                 <a14:m>
@@ -11960,7 +12166,7 @@
                       <m:dPr>
                         <m:ctrlPr>
                           <a:rPr lang="fr-FR" sz="1000" b="0" i="1" smtClean="0">
-                            <a:latin typeface="Cambria Math"/>
+                            <a:latin typeface="Cambria Math" panose="02040503050406030204" pitchFamily="18" charset="0"/>
                           </a:rPr>
                         </m:ctrlPr>
                       </m:dPr>
@@ -11982,7 +12188,7 @@
                             <m:chr m:val="⃗"/>
                             <m:ctrlPr>
                               <a:rPr lang="fr-FR" sz="1000" i="1">
-                                <a:latin typeface="Cambria Math"/>
+                                <a:latin typeface="Cambria Math" panose="02040503050406030204" pitchFamily="18" charset="0"/>
                               </a:rPr>
                             </m:ctrlPr>
                           </m:accPr>
@@ -11991,7 +12197,7 @@
                               <m:sSubPr>
                                 <m:ctrlPr>
                                   <a:rPr lang="fr-FR" sz="1000" i="1">
-                                    <a:latin typeface="Cambria Math"/>
+                                    <a:latin typeface="Cambria Math" panose="02040503050406030204" pitchFamily="18" charset="0"/>
                                   </a:rPr>
                                 </m:ctrlPr>
                               </m:sSubPr>
@@ -12294,10 +12500,9 @@
           <a:p>
             <a:pPr algn="ctr"/>
             <a:r>
-              <a:rPr lang="fr-FR" sz="1000" dirty="0" smtClean="0"/>
+              <a:rPr lang="fr-FR" sz="1000" dirty="0"/>
               <a:t>Pression</a:t>
             </a:r>
-            <a:endParaRPr lang="fr-FR" sz="1000" dirty="0"/>
           </a:p>
         </p:txBody>
       </p:sp>
@@ -12327,7 +12532,7 @@
               <a:p>
                 <a:pPr algn="ctr"/>
                 <a:r>
-                  <a:rPr lang="fr-FR" sz="1000" dirty="0" smtClean="0"/>
+                  <a:rPr lang="fr-FR" sz="1000" dirty="0"/>
                   <a:t>Glissière</a:t>
                 </a:r>
               </a:p>
@@ -12344,7 +12549,7 @@
                           <m:chr m:val="⃗"/>
                           <m:ctrlPr>
                             <a:rPr lang="fr-FR" sz="1000" b="0" i="1" smtClean="0">
-                              <a:latin typeface="Cambria Math"/>
+                              <a:latin typeface="Cambria Math" panose="02040503050406030204" pitchFamily="18" charset="0"/>
                             </a:rPr>
                           </m:ctrlPr>
                         </m:accPr>
@@ -12353,7 +12558,7 @@
                             <m:sSubPr>
                               <m:ctrlPr>
                                 <a:rPr lang="fr-FR" sz="1000" i="1">
-                                  <a:latin typeface="Cambria Math"/>
+                                  <a:latin typeface="Cambria Math" panose="02040503050406030204" pitchFamily="18" charset="0"/>
                                 </a:rPr>
                               </m:ctrlPr>
                             </m:sSubPr>
@@ -12474,18 +12679,13 @@
           <a:p>
             <a:pPr algn="ctr"/>
             <a:r>
-              <a:rPr lang="fr-FR" sz="1400" b="1" dirty="0" smtClean="0">
+              <a:rPr lang="fr-FR" sz="1400" b="1" dirty="0">
                 <a:solidFill>
                   <a:srgbClr val="0070C0"/>
                 </a:solidFill>
               </a:rPr>
               <a:t>S</a:t>
             </a:r>
-            <a:endParaRPr lang="fr-FR" sz="1400" b="1" dirty="0">
-              <a:solidFill>
-                <a:srgbClr val="0070C0"/>
-              </a:solidFill>
-            </a:endParaRPr>
           </a:p>
         </p:txBody>
       </p:sp>
@@ -12534,18 +12734,13 @@
           <a:p>
             <a:pPr algn="ctr"/>
             <a:r>
-              <a:rPr lang="fr-FR" sz="1100" b="1" dirty="0" smtClean="0">
+              <a:rPr lang="fr-FR" sz="1100" b="1" dirty="0">
                 <a:solidFill>
                   <a:schemeClr val="tx1"/>
                 </a:solidFill>
               </a:rPr>
               <a:t>T12</a:t>
             </a:r>
-            <a:endParaRPr lang="fr-FR" sz="1100" b="1" dirty="0">
-              <a:solidFill>
-                <a:schemeClr val="tx1"/>
-              </a:solidFill>
-            </a:endParaRPr>
           </a:p>
         </p:txBody>
       </p:sp>
@@ -12616,7 +12811,7 @@
               <a:p>
                 <a:pPr algn="ctr"/>
                 <a:r>
-                  <a:rPr lang="fr-FR" sz="1000" dirty="0" smtClean="0"/>
+                  <a:rPr lang="fr-FR" sz="1000" dirty="0"/>
                   <a:t>Glissière</a:t>
                 </a:r>
               </a:p>
@@ -12633,7 +12828,7 @@
                           <m:chr m:val="⃗"/>
                           <m:ctrlPr>
                             <a:rPr lang="fr-FR" sz="1000" b="0" i="1" smtClean="0">
-                              <a:latin typeface="Cambria Math"/>
+                              <a:latin typeface="Cambria Math" panose="02040503050406030204" pitchFamily="18" charset="0"/>
                             </a:rPr>
                           </m:ctrlPr>
                         </m:accPr>
@@ -12642,7 +12837,7 @@
                             <m:sSubPr>
                               <m:ctrlPr>
                                 <a:rPr lang="fr-FR" sz="1000" i="1">
-                                  <a:latin typeface="Cambria Math"/>
+                                  <a:latin typeface="Cambria Math" panose="02040503050406030204" pitchFamily="18" charset="0"/>
                                 </a:rPr>
                               </m:ctrlPr>
                             </m:sSubPr>
@@ -12744,12 +12939,8 @@
               <a:p>
                 <a:pPr algn="ctr"/>
                 <a:r>
-                  <a:rPr lang="fr-FR" sz="1000" dirty="0" smtClean="0"/>
-                  <a:t>Chaîne </a:t>
-                </a:r>
-                <a:r>
                   <a:rPr lang="fr-FR" sz="1000" dirty="0"/>
-                  <a:t>RSG en </a:t>
+                  <a:t>Chaîne RSG en </a:t>
                 </a:r>
                 <a14:m>
                   <m:oMath xmlns:m="http://schemas.openxmlformats.org/officeDocument/2006/math">
@@ -12831,12 +13022,8 @@
               <a:p>
                 <a:pPr algn="ctr"/>
                 <a:r>
-                  <a:rPr lang="fr-FR" sz="1000" dirty="0" smtClean="0"/>
-                  <a:t>Chaîne </a:t>
-                </a:r>
-                <a:r>
                   <a:rPr lang="fr-FR" sz="1000" dirty="0"/>
-                  <a:t>RSG en </a:t>
+                  <a:t>Chaîne RSG en </a:t>
                 </a:r>
                 <a14:m>
                   <m:oMath xmlns:m="http://schemas.openxmlformats.org/officeDocument/2006/math">
@@ -12918,10 +13105,10 @@
               <a:p>
                 <a:pPr algn="ctr"/>
                 <a:r>
-                  <a:rPr lang="fr-FR" sz="1000" dirty="0" smtClean="0"/>
+                  <a:rPr lang="fr-FR" sz="1000" dirty="0"/>
                   <a:t>Pivot</a:t>
                 </a:r>
-                <a:endParaRPr lang="fr-FR" sz="1000" b="0" i="1" dirty="0" smtClean="0">
+                <a:endParaRPr lang="fr-FR" sz="1000" b="0" i="1" dirty="0">
                   <a:latin typeface="Cambria Math"/>
                 </a:endParaRPr>
               </a:p>
@@ -12937,7 +13124,7 @@
                         <m:dPr>
                           <m:ctrlPr>
                             <a:rPr lang="fr-FR" sz="1000" b="0" i="1" smtClean="0">
-                              <a:latin typeface="Cambria Math"/>
+                              <a:latin typeface="Cambria Math" panose="02040503050406030204" pitchFamily="18" charset="0"/>
                             </a:rPr>
                           </m:ctrlPr>
                         </m:dPr>
@@ -12959,7 +13146,7 @@
                               <m:chr m:val="⃗"/>
                               <m:ctrlPr>
                                 <a:rPr lang="fr-FR" sz="1000" i="1">
-                                  <a:latin typeface="Cambria Math"/>
+                                  <a:latin typeface="Cambria Math" panose="02040503050406030204" pitchFamily="18" charset="0"/>
                                 </a:rPr>
                               </m:ctrlPr>
                             </m:accPr>
@@ -12968,7 +13155,7 @@
                                 <m:sSubPr>
                                   <m:ctrlPr>
                                     <a:rPr lang="fr-FR" sz="1000" i="1">
-                                      <a:latin typeface="Cambria Math"/>
+                                      <a:latin typeface="Cambria Math" panose="02040503050406030204" pitchFamily="18" charset="0"/>
                                     </a:rPr>
                                   </m:ctrlPr>
                                 </m:sSubPr>
@@ -13192,7 +13379,7 @@
               <a:p>
                 <a:pPr algn="ctr"/>
                 <a:r>
-                  <a:rPr lang="fr-FR" sz="1000" dirty="0" smtClean="0"/>
+                  <a:rPr lang="fr-FR" sz="1000" dirty="0"/>
                   <a:t>Pesanteur</a:t>
                 </a:r>
               </a:p>
@@ -13208,7 +13395,7 @@
                         <m:sSubPr>
                           <m:ctrlPr>
                             <a:rPr lang="fr-FR" sz="1000" b="0" i="1" dirty="0" smtClean="0">
-                              <a:latin typeface="Cambria Math"/>
+                              <a:latin typeface="Cambria Math" panose="02040503050406030204" pitchFamily="18" charset="0"/>
                             </a:rPr>
                           </m:ctrlPr>
                         </m:sSubPr>
@@ -13239,7 +13426,7 @@
                         <m:sSubPr>
                           <m:ctrlPr>
                             <a:rPr lang="fr-FR" sz="1000" b="0" i="1" dirty="0" smtClean="0">
-                              <a:latin typeface="Cambria Math"/>
+                              <a:latin typeface="Cambria Math" panose="02040503050406030204" pitchFamily="18" charset="0"/>
                             </a:rPr>
                           </m:ctrlPr>
                         </m:sSubPr>
@@ -13453,7 +13640,7 @@
               <a:p>
                 <a:pPr algn="ctr"/>
                 <a:r>
-                  <a:rPr lang="fr-FR" sz="1000" dirty="0" smtClean="0"/>
+                  <a:rPr lang="fr-FR" sz="1000" dirty="0"/>
                   <a:t>Pesanteur</a:t>
                 </a:r>
               </a:p>
@@ -13469,7 +13656,7 @@
                         <m:sSubPr>
                           <m:ctrlPr>
                             <a:rPr lang="fr-FR" sz="1000" b="0" i="1" dirty="0" smtClean="0">
-                              <a:latin typeface="Cambria Math"/>
+                              <a:latin typeface="Cambria Math" panose="02040503050406030204" pitchFamily="18" charset="0"/>
                             </a:rPr>
                           </m:ctrlPr>
                         </m:sSubPr>
@@ -13600,13 +13787,6 @@
   <p:clrMapOvr>
     <a:masterClrMapping/>
   </p:clrMapOvr>
-  <p:timing>
-    <p:tnLst>
-      <p:par>
-        <p:cTn id="1" dur="indefinite" restart="never" nodeType="tmRoot"/>
-      </p:par>
-    </p:tnLst>
-  </p:timing>
 </p:sld>
 </file>
 
@@ -13826,10 +14006,9 @@
             <a:p>
               <a:pPr algn="ctr"/>
               <a:r>
-                <a:rPr lang="fr-FR" sz="1000" dirty="0" smtClean="0"/>
+                <a:rPr lang="fr-FR" sz="1000" dirty="0"/>
                 <a:t>Pression</a:t>
               </a:r>
-              <a:endParaRPr lang="fr-FR" sz="1000" dirty="0"/>
             </a:p>
           </p:txBody>
         </p:sp>
@@ -13967,18 +14146,13 @@
             <a:p>
               <a:pPr algn="ctr"/>
               <a:r>
-                <a:rPr lang="fr-FR" b="1" dirty="0" smtClean="0">
+                <a:rPr lang="fr-FR" b="1" dirty="0">
                   <a:solidFill>
                     <a:schemeClr val="tx1"/>
                   </a:solidFill>
                 </a:rPr>
                 <a:t>1</a:t>
               </a:r>
-              <a:endParaRPr lang="fr-FR" b="1" dirty="0">
-                <a:solidFill>
-                  <a:schemeClr val="tx1"/>
-                </a:solidFill>
-              </a:endParaRPr>
             </a:p>
           </p:txBody>
         </p:sp>
@@ -14063,18 +14237,13 @@
             <a:p>
               <a:pPr algn="ctr"/>
               <a:r>
-                <a:rPr lang="fr-FR" sz="1400" b="1" dirty="0" smtClean="0">
+                <a:rPr lang="fr-FR" sz="1400" b="1" dirty="0">
                   <a:solidFill>
                     <a:srgbClr val="0070C0"/>
                   </a:solidFill>
                 </a:rPr>
                 <a:t>T1</a:t>
               </a:r>
-              <a:endParaRPr lang="fr-FR" sz="1400" b="1" dirty="0">
-                <a:solidFill>
-                  <a:srgbClr val="0070C0"/>
-                </a:solidFill>
-              </a:endParaRPr>
             </a:p>
           </p:txBody>
         </p:sp>
@@ -14121,18 +14290,13 @@
             <a:p>
               <a:pPr algn="ctr"/>
               <a:r>
-                <a:rPr lang="fr-FR" sz="1400" b="1" dirty="0" smtClean="0">
+                <a:rPr lang="fr-FR" sz="1400" b="1" dirty="0">
                   <a:solidFill>
                     <a:schemeClr val="accent2"/>
                   </a:solidFill>
                 </a:rPr>
                 <a:t>T2</a:t>
               </a:r>
-              <a:endParaRPr lang="fr-FR" sz="1400" b="1" dirty="0">
-                <a:solidFill>
-                  <a:schemeClr val="accent2"/>
-                </a:solidFill>
-              </a:endParaRPr>
             </a:p>
           </p:txBody>
         </p:sp>
@@ -14381,18 +14545,13 @@
             <a:p>
               <a:pPr algn="ctr"/>
               <a:r>
-                <a:rPr lang="fr-FR" sz="1400" b="1" dirty="0" smtClean="0">
+                <a:rPr lang="fr-FR" sz="1400" b="1" dirty="0">
                   <a:solidFill>
                     <a:srgbClr val="00B050"/>
                   </a:solidFill>
                 </a:rPr>
                 <a:t>S2</a:t>
               </a:r>
-              <a:endParaRPr lang="fr-FR" sz="1400" b="1" dirty="0">
-                <a:solidFill>
-                  <a:srgbClr val="00B050"/>
-                </a:solidFill>
-              </a:endParaRPr>
             </a:p>
           </p:txBody>
         </p:sp>
@@ -14463,7 +14622,7 @@
                 <a:p>
                   <a:pPr algn="ctr"/>
                   <a:r>
-                    <a:rPr lang="fr-FR" sz="1000" dirty="0" smtClean="0"/>
+                    <a:rPr lang="fr-FR" sz="1000" dirty="0"/>
                     <a:t>Pivot avec frottement </a:t>
                   </a:r>
                   <a14:m>
@@ -14472,7 +14631,7 @@
                         <m:dPr>
                           <m:ctrlPr>
                             <a:rPr lang="fr-FR" sz="1000" b="0" i="1" smtClean="0">
-                              <a:latin typeface="Cambria Math"/>
+                              <a:latin typeface="Cambria Math" panose="02040503050406030204" pitchFamily="18" charset="0"/>
                             </a:rPr>
                           </m:ctrlPr>
                         </m:dPr>
@@ -14481,7 +14640,7 @@
                             <m:sSubPr>
                               <m:ctrlPr>
                                 <a:rPr lang="fr-FR" sz="1000" b="0" i="1" smtClean="0">
-                                  <a:latin typeface="Cambria Math"/>
+                                  <a:latin typeface="Cambria Math" panose="02040503050406030204" pitchFamily="18" charset="0"/>
                                 </a:rPr>
                               </m:ctrlPr>
                             </m:sSubPr>
@@ -14513,7 +14672,7 @@
                               <m:chr m:val="⃗"/>
                               <m:ctrlPr>
                                 <a:rPr lang="fr-FR" sz="1000" i="1">
-                                  <a:latin typeface="Cambria Math"/>
+                                  <a:latin typeface="Cambria Math" panose="02040503050406030204" pitchFamily="18" charset="0"/>
                                 </a:rPr>
                               </m:ctrlPr>
                             </m:accPr>
@@ -14522,7 +14681,7 @@
                                 <m:sSubPr>
                                   <m:ctrlPr>
                                     <a:rPr lang="fr-FR" sz="1000" i="1">
-                                      <a:latin typeface="Cambria Math"/>
+                                      <a:latin typeface="Cambria Math" panose="02040503050406030204" pitchFamily="18" charset="0"/>
                                     </a:rPr>
                                   </m:ctrlPr>
                                 </m:sSubPr>
@@ -14619,7 +14778,7 @@
                 <a:p>
                   <a:pPr algn="ctr"/>
                   <a:r>
-                    <a:rPr lang="fr-FR" sz="1000" dirty="0" smtClean="0"/>
+                    <a:rPr lang="fr-FR" sz="1000" dirty="0"/>
                     <a:t>Pivot glissant</a:t>
                   </a:r>
                 </a:p>
@@ -14635,7 +14794,7 @@
                         <m:dPr>
                           <m:ctrlPr>
                             <a:rPr lang="fr-FR" sz="1000" i="1">
-                              <a:latin typeface="Cambria Math"/>
+                              <a:latin typeface="Cambria Math" panose="02040503050406030204" pitchFamily="18" charset="0"/>
                             </a:rPr>
                           </m:ctrlPr>
                         </m:dPr>
@@ -14644,7 +14803,7 @@
                             <m:sSubPr>
                               <m:ctrlPr>
                                 <a:rPr lang="fr-FR" sz="1000" i="1">
-                                  <a:latin typeface="Cambria Math"/>
+                                  <a:latin typeface="Cambria Math" panose="02040503050406030204" pitchFamily="18" charset="0"/>
                                 </a:rPr>
                               </m:ctrlPr>
                             </m:sSubPr>
@@ -14676,7 +14835,7 @@
                               <m:chr m:val="⃗"/>
                               <m:ctrlPr>
                                 <a:rPr lang="fr-FR" sz="1000" i="1">
-                                  <a:latin typeface="Cambria Math"/>
+                                  <a:latin typeface="Cambria Math" panose="02040503050406030204" pitchFamily="18" charset="0"/>
                                 </a:rPr>
                               </m:ctrlPr>
                             </m:accPr>
@@ -14685,7 +14844,7 @@
                                 <m:sSubPr>
                                   <m:ctrlPr>
                                     <a:rPr lang="fr-FR" sz="1000" b="0" i="1" smtClean="0">
-                                      <a:latin typeface="Cambria Math"/>
+                                      <a:latin typeface="Cambria Math" panose="02040503050406030204" pitchFamily="18" charset="0"/>
                                     </a:rPr>
                                   </m:ctrlPr>
                                 </m:sSubPr>
@@ -14788,7 +14947,7 @@
                 <a:p>
                   <a:pPr algn="ctr"/>
                   <a:r>
-                    <a:rPr lang="fr-FR" sz="1000" dirty="0" smtClean="0"/>
+                    <a:rPr lang="fr-FR" sz="1000" dirty="0"/>
                     <a:t>Pivot  </a:t>
                   </a:r>
                   <a14:m>
@@ -14797,7 +14956,7 @@
                         <m:dPr>
                           <m:ctrlPr>
                             <a:rPr lang="fr-FR" sz="1000" b="0" i="1" smtClean="0">
-                              <a:latin typeface="Cambria Math"/>
+                              <a:latin typeface="Cambria Math" panose="02040503050406030204" pitchFamily="18" charset="0"/>
                             </a:rPr>
                           </m:ctrlPr>
                         </m:dPr>
@@ -14806,7 +14965,7 @@
                             <m:sSubPr>
                               <m:ctrlPr>
                                 <a:rPr lang="fr-FR" sz="1000" b="0" i="1" smtClean="0">
-                                  <a:latin typeface="Cambria Math"/>
+                                  <a:latin typeface="Cambria Math" panose="02040503050406030204" pitchFamily="18" charset="0"/>
                                 </a:rPr>
                               </m:ctrlPr>
                             </m:sSubPr>
@@ -14838,7 +14997,7 @@
                               <m:chr m:val="⃗"/>
                               <m:ctrlPr>
                                 <a:rPr lang="fr-FR" sz="1000" i="1">
-                                  <a:latin typeface="Cambria Math"/>
+                                  <a:latin typeface="Cambria Math" panose="02040503050406030204" pitchFamily="18" charset="0"/>
                                 </a:rPr>
                               </m:ctrlPr>
                             </m:accPr>
@@ -14847,7 +15006,7 @@
                                 <m:sSubPr>
                                   <m:ctrlPr>
                                     <a:rPr lang="fr-FR" sz="1000" i="1">
-                                      <a:latin typeface="Cambria Math"/>
+                                      <a:latin typeface="Cambria Math" panose="02040503050406030204" pitchFamily="18" charset="0"/>
                                     </a:rPr>
                                   </m:ctrlPr>
                                 </m:sSubPr>
@@ -14944,7 +15103,7 @@
                 <a:p>
                   <a:pPr algn="ctr"/>
                   <a:r>
-                    <a:rPr lang="fr-FR" sz="1000" dirty="0" smtClean="0"/>
+                    <a:rPr lang="fr-FR" sz="1000" dirty="0"/>
                     <a:t>Pivot  </a:t>
                   </a:r>
                   <a14:m>
@@ -14953,7 +15112,7 @@
                         <m:dPr>
                           <m:ctrlPr>
                             <a:rPr lang="fr-FR" sz="1000" b="0" i="1" smtClean="0">
-                              <a:latin typeface="Cambria Math"/>
+                              <a:latin typeface="Cambria Math" panose="02040503050406030204" pitchFamily="18" charset="0"/>
                             </a:rPr>
                           </m:ctrlPr>
                         </m:dPr>
@@ -14962,7 +15121,7 @@
                             <m:sSubPr>
                               <m:ctrlPr>
                                 <a:rPr lang="fr-FR" sz="1000" b="0" i="1" smtClean="0">
-                                  <a:latin typeface="Cambria Math"/>
+                                  <a:latin typeface="Cambria Math" panose="02040503050406030204" pitchFamily="18" charset="0"/>
                                 </a:rPr>
                               </m:ctrlPr>
                             </m:sSubPr>
@@ -14994,7 +15153,7 @@
                               <m:chr m:val="⃗"/>
                               <m:ctrlPr>
                                 <a:rPr lang="fr-FR" sz="1000" i="1">
-                                  <a:latin typeface="Cambria Math"/>
+                                  <a:latin typeface="Cambria Math" panose="02040503050406030204" pitchFamily="18" charset="0"/>
                                 </a:rPr>
                               </m:ctrlPr>
                             </m:accPr>
@@ -15003,7 +15162,7 @@
                                 <m:sSubPr>
                                   <m:ctrlPr>
                                     <a:rPr lang="fr-FR" sz="1000" i="1">
-                                      <a:latin typeface="Cambria Math"/>
+                                      <a:latin typeface="Cambria Math" panose="02040503050406030204" pitchFamily="18" charset="0"/>
                                     </a:rPr>
                                   </m:ctrlPr>
                                 </m:sSubPr>
@@ -15266,10 +15425,9 @@
           <a:p>
             <a:pPr algn="ctr"/>
             <a:r>
-              <a:rPr lang="fr-FR" sz="1000" dirty="0" smtClean="0"/>
+              <a:rPr lang="fr-FR" sz="1000" dirty="0"/>
               <a:t>Pesanteur</a:t>
             </a:r>
-            <a:endParaRPr lang="fr-FR" sz="1000" dirty="0"/>
           </a:p>
         </p:txBody>
       </p:sp>
@@ -15283,13 +15441,6 @@
   <p:clrMapOvr>
     <a:masterClrMapping/>
   </p:clrMapOvr>
-  <p:timing>
-    <p:tnLst>
-      <p:par>
-        <p:cTn id="1" dur="indefinite" restart="never" nodeType="tmRoot"/>
-      </p:par>
-    </p:tnLst>
-  </p:timing>
 </p:sld>
 </file>
 
@@ -15444,18 +15595,13 @@
           <a:p>
             <a:pPr algn="ctr"/>
             <a:r>
-              <a:rPr lang="fr-FR" b="1" dirty="0" smtClean="0">
+              <a:rPr lang="fr-FR" b="1" dirty="0">
                 <a:solidFill>
                   <a:schemeClr val="tx1"/>
                 </a:solidFill>
               </a:rPr>
               <a:t>0</a:t>
             </a:r>
-            <a:endParaRPr lang="fr-FR" b="1" dirty="0">
-              <a:solidFill>
-                <a:schemeClr val="tx1"/>
-              </a:solidFill>
-            </a:endParaRPr>
           </a:p>
         </p:txBody>
       </p:sp>
@@ -15641,7 +15787,7 @@
               <a:p>
                 <a:pPr algn="ctr"/>
                 <a:r>
-                  <a:rPr lang="fr-FR" sz="1000" b="0" dirty="0" smtClean="0"/>
+                  <a:rPr lang="fr-FR" sz="1000" b="0" dirty="0"/>
                   <a:t>CP </a:t>
                 </a:r>
                 <a14:m>
@@ -15650,7 +15796,7 @@
                       <m:dPr>
                         <m:ctrlPr>
                           <a:rPr lang="fr-FR" sz="1000" b="0" i="1" smtClean="0">
-                            <a:latin typeface="Cambria Math"/>
+                            <a:latin typeface="Cambria Math" panose="02040503050406030204" pitchFamily="18" charset="0"/>
                           </a:rPr>
                         </m:ctrlPr>
                       </m:dPr>
@@ -15659,7 +15805,7 @@
                           <m:sSubPr>
                             <m:ctrlPr>
                               <a:rPr lang="fr-FR" sz="1000" b="0" i="1" smtClean="0">
-                                <a:latin typeface="Cambria Math"/>
+                                <a:latin typeface="Cambria Math" panose="02040503050406030204" pitchFamily="18" charset="0"/>
                               </a:rPr>
                             </m:ctrlPr>
                           </m:sSubPr>
@@ -15691,7 +15837,7 @@
                             <m:chr m:val="⃗"/>
                             <m:ctrlPr>
                               <a:rPr lang="fr-FR" sz="1000" i="1">
-                                <a:latin typeface="Cambria Math"/>
+                                <a:latin typeface="Cambria Math" panose="02040503050406030204" pitchFamily="18" charset="0"/>
                               </a:rPr>
                             </m:ctrlPr>
                           </m:accPr>
@@ -16078,7 +16224,7 @@
               <a:p>
                 <a:pPr algn="ctr"/>
                 <a:r>
-                  <a:rPr lang="fr-FR" sz="1000" b="0" dirty="0" smtClean="0"/>
+                  <a:rPr lang="fr-FR" sz="1000" b="0" dirty="0"/>
                   <a:t>CP </a:t>
                 </a:r>
                 <a14:m>
@@ -16087,7 +16233,7 @@
                       <m:dPr>
                         <m:ctrlPr>
                           <a:rPr lang="fr-FR" sz="1000" b="0" i="1" smtClean="0">
-                            <a:latin typeface="Cambria Math"/>
+                            <a:latin typeface="Cambria Math" panose="02040503050406030204" pitchFamily="18" charset="0"/>
                           </a:rPr>
                         </m:ctrlPr>
                       </m:dPr>
@@ -16096,7 +16242,7 @@
                           <m:sSubPr>
                             <m:ctrlPr>
                               <a:rPr lang="fr-FR" sz="1000" b="0" i="1" smtClean="0">
-                                <a:latin typeface="Cambria Math"/>
+                                <a:latin typeface="Cambria Math" panose="02040503050406030204" pitchFamily="18" charset="0"/>
                               </a:rPr>
                             </m:ctrlPr>
                           </m:sSubPr>
@@ -16128,7 +16274,7 @@
                             <m:chr m:val="⃗"/>
                             <m:ctrlPr>
                               <a:rPr lang="fr-FR" sz="1000" i="1">
-                                <a:latin typeface="Cambria Math"/>
+                                <a:latin typeface="Cambria Math" panose="02040503050406030204" pitchFamily="18" charset="0"/>
                               </a:rPr>
                             </m:ctrlPr>
                           </m:accPr>
@@ -16333,7 +16479,7 @@
               <a:p>
                 <a:pPr algn="ctr"/>
                 <a:r>
-                  <a:rPr lang="fr-FR" sz="1000" b="0" dirty="0" smtClean="0"/>
+                  <a:rPr lang="fr-FR" sz="1000" b="0" dirty="0"/>
                   <a:t>CP </a:t>
                 </a:r>
                 <a14:m>
@@ -16342,7 +16488,7 @@
                       <m:dPr>
                         <m:ctrlPr>
                           <a:rPr lang="fr-FR" sz="1000" b="0" i="1" smtClean="0">
-                            <a:latin typeface="Cambria Math"/>
+                            <a:latin typeface="Cambria Math" panose="02040503050406030204" pitchFamily="18" charset="0"/>
                           </a:rPr>
                         </m:ctrlPr>
                       </m:dPr>
@@ -16351,7 +16497,7 @@
                           <m:sSubPr>
                             <m:ctrlPr>
                               <a:rPr lang="fr-FR" sz="1000" b="0" i="1" smtClean="0">
-                                <a:latin typeface="Cambria Math"/>
+                                <a:latin typeface="Cambria Math" panose="02040503050406030204" pitchFamily="18" charset="0"/>
                               </a:rPr>
                             </m:ctrlPr>
                           </m:sSubPr>
@@ -16383,7 +16529,7 @@
                             <m:chr m:val="⃗"/>
                             <m:ctrlPr>
                               <a:rPr lang="fr-FR" sz="1000" i="1">
-                                <a:latin typeface="Cambria Math"/>
+                                <a:latin typeface="Cambria Math" panose="02040503050406030204" pitchFamily="18" charset="0"/>
                               </a:rPr>
                             </m:ctrlPr>
                           </m:accPr>
@@ -16470,7 +16616,7 @@
               <a:p>
                 <a:pPr algn="ctr"/>
                 <a:r>
-                  <a:rPr lang="fr-FR" sz="1000" b="0" dirty="0" smtClean="0"/>
+                  <a:rPr lang="fr-FR" sz="1000" b="0" dirty="0"/>
                   <a:t>CP </a:t>
                 </a:r>
                 <a14:m>
@@ -16479,7 +16625,7 @@
                       <m:dPr>
                         <m:ctrlPr>
                           <a:rPr lang="fr-FR" sz="1000" b="0" i="1" smtClean="0">
-                            <a:latin typeface="Cambria Math"/>
+                            <a:latin typeface="Cambria Math" panose="02040503050406030204" pitchFamily="18" charset="0"/>
                           </a:rPr>
                         </m:ctrlPr>
                       </m:dPr>
@@ -16488,7 +16634,7 @@
                           <m:sSubPr>
                             <m:ctrlPr>
                               <a:rPr lang="fr-FR" sz="1000" b="0" i="1" smtClean="0">
-                                <a:latin typeface="Cambria Math"/>
+                                <a:latin typeface="Cambria Math" panose="02040503050406030204" pitchFamily="18" charset="0"/>
                               </a:rPr>
                             </m:ctrlPr>
                           </m:sSubPr>
@@ -16520,7 +16666,7 @@
                             <m:chr m:val="⃗"/>
                             <m:ctrlPr>
                               <a:rPr lang="fr-FR" sz="1000" i="1">
-                                <a:latin typeface="Cambria Math"/>
+                                <a:latin typeface="Cambria Math" panose="02040503050406030204" pitchFamily="18" charset="0"/>
                               </a:rPr>
                             </m:ctrlPr>
                           </m:accPr>
@@ -16725,10 +16871,9 @@
           <a:p>
             <a:pPr algn="ctr"/>
             <a:r>
-              <a:rPr lang="fr-FR" sz="1000" dirty="0" smtClean="0"/>
+              <a:rPr lang="fr-FR" sz="1000" dirty="0"/>
               <a:t>Pesanteur</a:t>
             </a:r>
-            <a:endParaRPr lang="fr-FR" sz="1000" dirty="0"/>
           </a:p>
         </p:txBody>
       </p:sp>
@@ -16877,13 +17022,6 @@
   <p:clrMapOvr>
     <a:masterClrMapping/>
   </p:clrMapOvr>
-  <p:timing>
-    <p:tnLst>
-      <p:par>
-        <p:cTn id="1" dur="indefinite" restart="never" nodeType="tmRoot"/>
-      </p:par>
-    </p:tnLst>
-  </p:timing>
 </p:sld>
 </file>
 
@@ -16928,10 +17066,9 @@
           <a:p>
             <a:pPr algn="ctr"/>
             <a:r>
-              <a:rPr lang="fr-FR" sz="1000" dirty="0" smtClean="0"/>
+              <a:rPr lang="fr-FR" sz="1000" dirty="0"/>
               <a:t>Pression</a:t>
             </a:r>
-            <a:endParaRPr lang="fr-FR" sz="1000" dirty="0"/>
           </a:p>
         </p:txBody>
       </p:sp>
@@ -16986,13 +17123,6 @@
   <p:clrMapOvr>
     <a:masterClrMapping/>
   </p:clrMapOvr>
-  <p:timing>
-    <p:tnLst>
-      <p:par>
-        <p:cTn id="1" dur="indefinite" restart="never" nodeType="tmRoot"/>
-      </p:par>
-    </p:tnLst>
-  </p:timing>
 </p:sld>
 </file>
 
